--- a/R_FINAL_PPT.pptx
+++ b/R_FINAL_PPT.pptx
@@ -5,13 +5,16 @@
     <p:sldMasterId id="2147483648" r:id="rId1"/>
   </p:sldMasterIdLst>
   <p:notesMasterIdLst>
-    <p:notesMasterId r:id="rId6"/>
+    <p:notesMasterId r:id="rId9"/>
   </p:notesMasterIdLst>
   <p:sldIdLst>
-    <p:sldId id="258" r:id="rId2"/>
-    <p:sldId id="257" r:id="rId3"/>
-    <p:sldId id="259" r:id="rId4"/>
-    <p:sldId id="256" r:id="rId5"/>
+    <p:sldId id="262" r:id="rId2"/>
+    <p:sldId id="258" r:id="rId3"/>
+    <p:sldId id="261" r:id="rId4"/>
+    <p:sldId id="257" r:id="rId5"/>
+    <p:sldId id="259" r:id="rId6"/>
+    <p:sldId id="256" r:id="rId7"/>
+    <p:sldId id="263" r:id="rId8"/>
   </p:sldIdLst>
   <p:sldSz cx="12192000" cy="6858000"/>
   <p:notesSz cx="6858000" cy="9144000"/>
@@ -110,6 +113,11 @@
       </a:defRPr>
     </a:lvl9pPr>
   </p:defaultTextStyle>
+  <p:extLst>
+    <p:ext uri="{EFAFB233-063F-42B5-8137-9DF3F51BA10A}">
+      <p15:sldGuideLst xmlns:p15="http://schemas.microsoft.com/office/powerpoint/2012/main"/>
+    </p:ext>
+  </p:extLst>
 </p:presentation>
 </file>
 
@@ -195,7 +203,7 @@
           <a:p>
             <a:fld id="{2AC3FA50-D195-8F4B-AE89-58B38EE948D2}" type="datetimeFigureOut">
               <a:rPr lang="en-US" smtClean="0"/>
-              <a:t>12/13/21</a:t>
+              <a:t>12/14/21</a:t>
             </a:fld>
             <a:endParaRPr lang="en-US"/>
           </a:p>
@@ -609,7 +617,7 @@
           <a:p>
             <a:fld id="{6BF0B849-8C9D-9C4B-9432-A2414527166A}" type="datetime1">
               <a:rPr lang="en-US" smtClean="0"/>
-              <a:t>12/13/21</a:t>
+              <a:t>12/14/21</a:t>
             </a:fld>
             <a:endParaRPr lang="en-US"/>
           </a:p>
@@ -807,7 +815,7 @@
           <a:p>
             <a:fld id="{E9242439-459B-034C-8943-E3D85A7B1E2E}" type="datetime1">
               <a:rPr lang="en-US" smtClean="0"/>
-              <a:t>12/13/21</a:t>
+              <a:t>12/14/21</a:t>
             </a:fld>
             <a:endParaRPr lang="en-US"/>
           </a:p>
@@ -1015,7 +1023,7 @@
           <a:p>
             <a:fld id="{21132423-18C8-174F-9A80-E69266BF3DAC}" type="datetime1">
               <a:rPr lang="en-US" smtClean="0"/>
-              <a:t>12/13/21</a:t>
+              <a:t>12/14/21</a:t>
             </a:fld>
             <a:endParaRPr lang="en-US"/>
           </a:p>
@@ -1213,7 +1221,7 @@
           <a:p>
             <a:fld id="{D8B581A3-E94F-D647-BBFC-9A5032140293}" type="datetime1">
               <a:rPr lang="en-US" smtClean="0"/>
-              <a:t>12/13/21</a:t>
+              <a:t>12/14/21</a:t>
             </a:fld>
             <a:endParaRPr lang="en-US"/>
           </a:p>
@@ -1488,7 +1496,7 @@
           <a:p>
             <a:fld id="{6DAFB7FD-330E-E84E-A0ED-B9A3162B17D3}" type="datetime1">
               <a:rPr lang="en-US" smtClean="0"/>
-              <a:t>12/13/21</a:t>
+              <a:t>12/14/21</a:t>
             </a:fld>
             <a:endParaRPr lang="en-US"/>
           </a:p>
@@ -1753,7 +1761,7 @@
           <a:p>
             <a:fld id="{E45D4EAB-EEB7-B440-86F8-3DE526C15E21}" type="datetime1">
               <a:rPr lang="en-US" smtClean="0"/>
-              <a:t>12/13/21</a:t>
+              <a:t>12/14/21</a:t>
             </a:fld>
             <a:endParaRPr lang="en-US"/>
           </a:p>
@@ -2165,7 +2173,7 @@
           <a:p>
             <a:fld id="{29725ECD-5A10-CC40-9364-865C27B70F2B}" type="datetime1">
               <a:rPr lang="en-US" smtClean="0"/>
-              <a:t>12/13/21</a:t>
+              <a:t>12/14/21</a:t>
             </a:fld>
             <a:endParaRPr lang="en-US"/>
           </a:p>
@@ -2306,7 +2314,7 @@
           <a:p>
             <a:fld id="{F57C2A14-C67A-8B40-A332-712287EA83E1}" type="datetime1">
               <a:rPr lang="en-US" smtClean="0"/>
-              <a:t>12/13/21</a:t>
+              <a:t>12/14/21</a:t>
             </a:fld>
             <a:endParaRPr lang="en-US"/>
           </a:p>
@@ -2419,7 +2427,7 @@
           <a:p>
             <a:fld id="{1B2A624D-B3F8-B340-AA0D-A9150B8C60C2}" type="datetime1">
               <a:rPr lang="en-US" smtClean="0"/>
-              <a:t>12/13/21</a:t>
+              <a:t>12/14/21</a:t>
             </a:fld>
             <a:endParaRPr lang="en-US"/>
           </a:p>
@@ -2730,7 +2738,7 @@
           <a:p>
             <a:fld id="{7AFA8333-57C0-054D-96B2-5D1BE07F1C5E}" type="datetime1">
               <a:rPr lang="en-US" smtClean="0"/>
-              <a:t>12/13/21</a:t>
+              <a:t>12/14/21</a:t>
             </a:fld>
             <a:endParaRPr lang="en-US"/>
           </a:p>
@@ -3018,7 +3026,7 @@
           <a:p>
             <a:fld id="{2B5A5E0B-AEC8-5F43-A086-A105092AD5F8}" type="datetime1">
               <a:rPr lang="en-US" smtClean="0"/>
-              <a:t>12/13/21</a:t>
+              <a:t>12/14/21</a:t>
             </a:fld>
             <a:endParaRPr lang="en-US"/>
           </a:p>
@@ -3259,7 +3267,7 @@
           <a:p>
             <a:fld id="{494DAB9E-35B5-774D-98D1-8B77F8595B21}" type="datetime1">
               <a:rPr lang="en-US" smtClean="0"/>
-              <a:t>12/13/21</a:t>
+              <a:t>12/14/21</a:t>
             </a:fld>
             <a:endParaRPr lang="en-US"/>
           </a:p>
@@ -3687,10 +3695,10 @@
       </p:grpSpPr>
       <p:sp>
         <p:nvSpPr>
-          <p:cNvPr id="7" name="TextBox 6">
-            <a:extLst>
-              <a:ext uri="{FF2B5EF4-FFF2-40B4-BE49-F238E27FC236}">
-                <a16:creationId xmlns:a16="http://schemas.microsoft.com/office/drawing/2014/main" id="{3A1B497A-B3CE-8E45-B45E-CA2F731023E0}"/>
+          <p:cNvPr id="11" name="TextBox 10">
+            <a:extLst>
+              <a:ext uri="{FF2B5EF4-FFF2-40B4-BE49-F238E27FC236}">
+                <a16:creationId xmlns:a16="http://schemas.microsoft.com/office/drawing/2014/main" id="{91F31769-1FCD-5346-B8F5-B22BE4011B28}"/>
               </a:ext>
             </a:extLst>
           </p:cNvPr>
@@ -3699,8 +3707,8 @@
         </p:nvSpPr>
         <p:spPr>
           <a:xfrm>
-            <a:off x="181988" y="1200618"/>
-            <a:ext cx="10038972" cy="461665"/>
+            <a:off x="512475" y="136525"/>
+            <a:ext cx="11033699" cy="1015663"/>
           </a:xfrm>
           <a:prstGeom prst="rect">
             <a:avLst/>
@@ -3713,41 +3721,151 @@
           </a:bodyPr>
           <a:lstStyle/>
           <a:p>
-            <a:r>
-              <a:rPr lang="en-US" sz="2400" b="0" i="0" u="none" strike="noStrike" dirty="0">
-                <a:solidFill>
-                  <a:srgbClr val="00FF00"/>
+            <a:pPr algn="ctr"/>
+            <a:r>
+              <a:rPr lang="en-US" sz="3000" dirty="0">
+                <a:solidFill>
+                  <a:srgbClr val="FFFFFF"/>
+                </a:solidFill>
+                <a:latin typeface="Trebuchet MS" panose="020B0703020202090204" pitchFamily="34" charset="0"/>
+              </a:rPr>
+              <a:t>Most Enrolled Universities in Colorado</a:t>
+            </a:r>
+            <a:r>
+              <a:rPr lang="en-US" sz="3000" b="0" i="0" u="none" strike="noStrike" dirty="0">
+                <a:solidFill>
+                  <a:srgbClr val="FFFFFF"/>
                 </a:solidFill>
                 <a:effectLst/>
                 <a:latin typeface="Trebuchet MS" panose="020B0703020202090204" pitchFamily="34" charset="0"/>
               </a:rPr>
-              <a:t>Minorit</a:t>
-            </a:r>
-            <a:r>
-              <a:rPr lang="en-US" sz="2400" dirty="0">
-                <a:solidFill>
-                  <a:srgbClr val="00FF00"/>
-                </a:solidFill>
+              <a:t>: </a:t>
+            </a:r>
+            <a:endParaRPr lang="en-US" sz="3000" dirty="0">
+              <a:solidFill>
+                <a:srgbClr val="FFFFFF"/>
+              </a:solidFill>
+              <a:latin typeface="Trebuchet MS" panose="020B0703020202090204" pitchFamily="34" charset="0"/>
+            </a:endParaRPr>
+          </a:p>
+          <a:p>
+            <a:pPr algn="ctr"/>
+            <a:r>
+              <a:rPr lang="en-US" sz="3000" b="0" i="0" u="none" strike="noStrike" dirty="0">
+                <a:solidFill>
+                  <a:srgbClr val="FFFFFF"/>
+                </a:solidFill>
+                <a:effectLst/>
                 <a:latin typeface="Trebuchet MS" panose="020B0703020202090204" pitchFamily="34" charset="0"/>
               </a:rPr>
-              <a:t>y Enrollment Numbers: Interactive Map</a:t>
-            </a:r>
-            <a:endParaRPr lang="en-US" sz="2400" b="0" i="0" u="none" strike="noStrike" dirty="0">
-              <a:solidFill>
-                <a:srgbClr val="00FF00"/>
-              </a:solidFill>
-              <a:effectLst/>
-              <a:latin typeface="Trebuchet MS" panose="020B0703020202090204" pitchFamily="34" charset="0"/>
-            </a:endParaRPr>
+              <a:t>A glance at </a:t>
+            </a:r>
+            <a:r>
+              <a:rPr lang="en-US" sz="3000" dirty="0">
+                <a:solidFill>
+                  <a:srgbClr val="FFFFFF"/>
+                </a:solidFill>
+                <a:latin typeface="Trebuchet MS" panose="020B0703020202090204" pitchFamily="34" charset="0"/>
+              </a:rPr>
+              <a:t>m</a:t>
+            </a:r>
+            <a:r>
+              <a:rPr lang="en-US" sz="3000" b="0" i="0" u="none" strike="noStrike" dirty="0">
+                <a:solidFill>
+                  <a:srgbClr val="FFFFFF"/>
+                </a:solidFill>
+                <a:effectLst/>
+                <a:latin typeface="Trebuchet MS" panose="020B0703020202090204" pitchFamily="34" charset="0"/>
+              </a:rPr>
+              <a:t>inority enrollment &amp; salary outlook </a:t>
+            </a:r>
+          </a:p>
+        </p:txBody>
+      </p:sp>
+      <p:sp>
+        <p:nvSpPr>
+          <p:cNvPr id="13" name="TextBox 12">
+            <a:extLst>
+              <a:ext uri="{FF2B5EF4-FFF2-40B4-BE49-F238E27FC236}">
+                <a16:creationId xmlns:a16="http://schemas.microsoft.com/office/drawing/2014/main" id="{434290AE-CF54-4D47-98D9-0EEEC63E6E7B}"/>
+              </a:ext>
+            </a:extLst>
+          </p:cNvPr>
+          <p:cNvSpPr txBox="1"/>
+          <p:nvPr/>
+        </p:nvSpPr>
+        <p:spPr>
+          <a:xfrm>
+            <a:off x="25195" y="6150114"/>
+            <a:ext cx="6029325" cy="646331"/>
+          </a:xfrm>
+          <a:prstGeom prst="rect">
+            <a:avLst/>
+          </a:prstGeom>
+          <a:noFill/>
+        </p:spPr>
+        <p:txBody>
+          <a:bodyPr wrap="square">
+            <a:spAutoFit/>
+          </a:bodyPr>
+          <a:lstStyle/>
+          <a:p>
+            <a:r>
+              <a:rPr lang="en-US" dirty="0">
+                <a:solidFill>
+                  <a:schemeClr val="bg1"/>
+                </a:solidFill>
+              </a:rPr>
+              <a:t>Colorado State University - ERHS 535 </a:t>
+            </a:r>
+          </a:p>
+          <a:p>
+            <a:r>
+              <a:rPr lang="en-US" dirty="0">
+                <a:solidFill>
+                  <a:schemeClr val="bg1"/>
+                </a:solidFill>
+              </a:rPr>
+              <a:t>December 14, 2021</a:t>
+            </a:r>
+          </a:p>
+        </p:txBody>
+      </p:sp>
+      <p:sp>
+        <p:nvSpPr>
+          <p:cNvPr id="12" name="Slide Number Placeholder 11">
+            <a:extLst>
+              <a:ext uri="{FF2B5EF4-FFF2-40B4-BE49-F238E27FC236}">
+                <a16:creationId xmlns:a16="http://schemas.microsoft.com/office/drawing/2014/main" id="{1704ACC7-0177-3247-8723-6683DB2BEC7C}"/>
+              </a:ext>
+            </a:extLst>
+          </p:cNvPr>
+          <p:cNvSpPr>
+            <a:spLocks noGrp="1"/>
+          </p:cNvSpPr>
+          <p:nvPr>
+            <p:ph type="sldNum" sz="quarter" idx="12"/>
+          </p:nvPr>
+        </p:nvSpPr>
+        <p:spPr/>
+        <p:txBody>
+          <a:bodyPr/>
+          <a:lstStyle/>
+          <a:p>
+            <a:fld id="{D81FC35F-552F-C744-8838-5C4CD9D879AD}" type="slidenum">
+              <a:rPr lang="en-US" smtClean="0"/>
+              <a:t>1</a:t>
+            </a:fld>
+            <a:endParaRPr lang="en-US"/>
           </a:p>
         </p:txBody>
       </p:sp>
       <p:pic>
         <p:nvPicPr>
-          <p:cNvPr id="8" name="Picture 7" descr="Text&#10;&#10;Description automatically generated">
-            <a:extLst>
-              <a:ext uri="{FF2B5EF4-FFF2-40B4-BE49-F238E27FC236}">
-                <a16:creationId xmlns:a16="http://schemas.microsoft.com/office/drawing/2014/main" id="{3375DFCF-2CA5-414C-B230-615F68E570A0}"/>
+          <p:cNvPr id="3" name="Picture 2">
+            <a:extLst>
+              <a:ext uri="{FF2B5EF4-FFF2-40B4-BE49-F238E27FC236}">
+                <a16:creationId xmlns:a16="http://schemas.microsoft.com/office/drawing/2014/main" id="{96E24A16-D7B9-F24E-90F3-4541D09A2D3F}"/>
               </a:ext>
             </a:extLst>
           </p:cNvPr>
@@ -3758,28 +3876,25 @@
         </p:nvPicPr>
         <p:blipFill rotWithShape="1">
           <a:blip r:embed="rId2"/>
-          <a:srcRect t="2030"/>
+          <a:srcRect l="64142" t="12544" r="2280" b="3707"/>
           <a:stretch/>
         </p:blipFill>
         <p:spPr>
           <a:xfrm>
-            <a:off x="768034" y="1903464"/>
-            <a:ext cx="6993321" cy="4798914"/>
+            <a:off x="757237" y="3246674"/>
+            <a:ext cx="2496932" cy="2435225"/>
           </a:xfrm>
           <a:prstGeom prst="rect">
             <a:avLst/>
           </a:prstGeom>
-          <a:effectLst>
-            <a:softEdge rad="50800"/>
-          </a:effectLst>
         </p:spPr>
       </p:pic>
       <p:pic>
         <p:nvPicPr>
-          <p:cNvPr id="10" name="Picture 9" descr="Map&#10;&#10;Description automatically generated">
-            <a:extLst>
-              <a:ext uri="{FF2B5EF4-FFF2-40B4-BE49-F238E27FC236}">
-                <a16:creationId xmlns:a16="http://schemas.microsoft.com/office/drawing/2014/main" id="{146F4D41-FF3A-E049-9A12-1C1A200FA883}"/>
+          <p:cNvPr id="14" name="Picture 13">
+            <a:extLst>
+              <a:ext uri="{FF2B5EF4-FFF2-40B4-BE49-F238E27FC236}">
+                <a16:creationId xmlns:a16="http://schemas.microsoft.com/office/drawing/2014/main" id="{4D8BFE48-4FC2-9846-9487-8F8B5DCACF8E}"/>
               </a:ext>
             </a:extLst>
           </p:cNvPr>
@@ -3796,23 +3911,20 @@
         </p:blipFill>
         <p:spPr>
           <a:xfrm>
-            <a:off x="7761355" y="1903464"/>
-            <a:ext cx="3715026" cy="4798914"/>
+            <a:off x="4443413" y="1817281"/>
+            <a:ext cx="7513225" cy="4904194"/>
           </a:xfrm>
           <a:prstGeom prst="rect">
             <a:avLst/>
           </a:prstGeom>
-          <a:effectLst>
-            <a:softEdge rad="50800"/>
-          </a:effectLst>
         </p:spPr>
       </p:pic>
       <p:sp>
         <p:nvSpPr>
-          <p:cNvPr id="11" name="TextBox 10">
-            <a:extLst>
-              <a:ext uri="{FF2B5EF4-FFF2-40B4-BE49-F238E27FC236}">
-                <a16:creationId xmlns:a16="http://schemas.microsoft.com/office/drawing/2014/main" id="{91F31769-1FCD-5346-B8F5-B22BE4011B28}"/>
+          <p:cNvPr id="15" name="TextBox 14">
+            <a:extLst>
+              <a:ext uri="{FF2B5EF4-FFF2-40B4-BE49-F238E27FC236}">
+                <a16:creationId xmlns:a16="http://schemas.microsoft.com/office/drawing/2014/main" id="{AADC97C6-2106-1E4C-99D3-83D52D8D6BA0}"/>
               </a:ext>
             </a:extLst>
           </p:cNvPr>
@@ -3821,8 +3933,8 @@
         </p:nvSpPr>
         <p:spPr>
           <a:xfrm>
-            <a:off x="181988" y="127138"/>
-            <a:ext cx="11828024" cy="1015663"/>
+            <a:off x="3828052" y="1252042"/>
+            <a:ext cx="6150768" cy="400110"/>
           </a:xfrm>
           <a:prstGeom prst="rect">
             <a:avLst/>
@@ -3836,136 +3948,39 @@
           <a:lstStyle/>
           <a:p>
             <a:r>
-              <a:rPr lang="en-US" sz="3000" dirty="0">
-                <a:solidFill>
-                  <a:srgbClr val="FFFFFF"/>
-                </a:solidFill>
-                <a:latin typeface="Trebuchet MS" panose="020B0703020202090204" pitchFamily="34" charset="0"/>
-              </a:rPr>
-              <a:t>Most Enrolled Universities in Colorado</a:t>
-            </a:r>
-            <a:r>
-              <a:rPr lang="en-US" sz="3000" b="0" i="0" u="none" strike="noStrike" dirty="0">
-                <a:solidFill>
-                  <a:srgbClr val="FFFFFF"/>
-                </a:solidFill>
-                <a:effectLst/>
-                <a:latin typeface="Trebuchet MS" panose="020B0703020202090204" pitchFamily="34" charset="0"/>
-              </a:rPr>
-              <a:t>: A glance at </a:t>
-            </a:r>
-            <a:r>
-              <a:rPr lang="en-US" sz="3000" dirty="0">
-                <a:solidFill>
-                  <a:srgbClr val="FFFFFF"/>
-                </a:solidFill>
-                <a:latin typeface="Trebuchet MS" panose="020B0703020202090204" pitchFamily="34" charset="0"/>
-              </a:rPr>
-              <a:t>m</a:t>
-            </a:r>
-            <a:r>
-              <a:rPr lang="en-US" sz="3000" b="0" i="0" u="none" strike="noStrike" dirty="0">
-                <a:solidFill>
-                  <a:srgbClr val="FFFFFF"/>
-                </a:solidFill>
-                <a:effectLst/>
-                <a:latin typeface="Trebuchet MS" panose="020B0703020202090204" pitchFamily="34" charset="0"/>
-              </a:rPr>
-              <a:t>inority enrollment &amp; salary outlook </a:t>
-            </a:r>
-          </a:p>
-        </p:txBody>
-      </p:sp>
-      <p:sp>
-        <p:nvSpPr>
-          <p:cNvPr id="13" name="TextBox 12">
-            <a:extLst>
-              <a:ext uri="{FF2B5EF4-FFF2-40B4-BE49-F238E27FC236}">
-                <a16:creationId xmlns:a16="http://schemas.microsoft.com/office/drawing/2014/main" id="{434290AE-CF54-4D47-98D9-0EEEC63E6E7B}"/>
-              </a:ext>
-            </a:extLst>
-          </p:cNvPr>
-          <p:cNvSpPr txBox="1"/>
-          <p:nvPr/>
-        </p:nvSpPr>
-        <p:spPr>
-          <a:xfrm>
-            <a:off x="181988" y="1039468"/>
-            <a:ext cx="8962012" cy="276999"/>
-          </a:xfrm>
-          <a:prstGeom prst="rect">
-            <a:avLst/>
-          </a:prstGeom>
-          <a:noFill/>
-        </p:spPr>
-        <p:txBody>
-          <a:bodyPr wrap="square">
-            <a:spAutoFit/>
-          </a:bodyPr>
-          <a:lstStyle/>
-          <a:p>
-            <a:r>
-              <a:rPr lang="en-US" sz="1200" b="0" i="0" u="none" strike="noStrike" dirty="0">
-                <a:solidFill>
-                  <a:srgbClr val="FFFFFF"/>
+              <a:rPr lang="en-US" sz="2000" b="0" i="0" u="none" strike="noStrike" dirty="0">
+                <a:solidFill>
+                  <a:srgbClr val="00FF00"/>
                 </a:solidFill>
                 <a:effectLst/>
               </a:rPr>
-              <a:t>Kiara Hodo, Pablo Maldonado &amp; Naly </a:t>
-            </a:r>
-            <a:r>
-              <a:rPr lang="en-US" sz="1200" b="0" i="0" u="none" strike="noStrike" dirty="0">
-                <a:solidFill>
-                  <a:schemeClr val="bg1"/>
+              <a:t>Kiara Hodo, Pablo Maldonado &amp; </a:t>
+            </a:r>
+            <a:r>
+              <a:rPr lang="en-US" sz="2000" b="0" i="0" u="none" strike="noStrike" dirty="0" err="1">
+                <a:solidFill>
+                  <a:srgbClr val="00FF00"/>
                 </a:solidFill>
                 <a:effectLst/>
               </a:rPr>
-              <a:t>Torres, </a:t>
-            </a:r>
-            <a:r>
-              <a:rPr lang="en-US" sz="1200" dirty="0">
-                <a:solidFill>
-                  <a:schemeClr val="bg1"/>
-                </a:solidFill>
+              <a:t>Naly</a:t>
+            </a:r>
+            <a:r>
+              <a:rPr lang="en-US" sz="2000" b="0" i="0" u="none" strike="noStrike" dirty="0">
+                <a:solidFill>
+                  <a:srgbClr val="00FF00"/>
+                </a:solidFill>
+                <a:effectLst/>
               </a:rPr>
-              <a:t>ERHS 535 , Colorado State University, December 14, 2021</a:t>
-            </a:r>
-          </a:p>
-        </p:txBody>
-      </p:sp>
-      <p:sp>
-        <p:nvSpPr>
-          <p:cNvPr id="12" name="Slide Number Placeholder 11">
-            <a:extLst>
-              <a:ext uri="{FF2B5EF4-FFF2-40B4-BE49-F238E27FC236}">
-                <a16:creationId xmlns:a16="http://schemas.microsoft.com/office/drawing/2014/main" id="{1704ACC7-0177-3247-8723-6683DB2BEC7C}"/>
-              </a:ext>
-            </a:extLst>
-          </p:cNvPr>
-          <p:cNvSpPr>
-            <a:spLocks noGrp="1"/>
-          </p:cNvSpPr>
-          <p:nvPr>
-            <p:ph type="sldNum" sz="quarter" idx="12"/>
-          </p:nvPr>
-        </p:nvSpPr>
-        <p:spPr/>
-        <p:txBody>
-          <a:bodyPr/>
-          <a:lstStyle/>
-          <a:p>
-            <a:fld id="{D81FC35F-552F-C744-8838-5C4CD9D879AD}" type="slidenum">
-              <a:rPr lang="en-US" smtClean="0"/>
-              <a:t>1</a:t>
-            </a:fld>
-            <a:endParaRPr lang="en-US"/>
+              <a:t> Torres</a:t>
+            </a:r>
           </a:p>
         </p:txBody>
       </p:sp>
     </p:spTree>
     <p:extLst>
       <p:ext uri="{BB962C8B-B14F-4D97-AF65-F5344CB8AC3E}">
-        <p14:creationId xmlns:p14="http://schemas.microsoft.com/office/powerpoint/2010/main" val="2384740108"/>
+        <p14:creationId xmlns:p14="http://schemas.microsoft.com/office/powerpoint/2010/main" val="3094512204"/>
       </p:ext>
     </p:extLst>
   </p:cSld>
@@ -4002,118 +4017,10 @@
       </p:grpSpPr>
       <p:sp>
         <p:nvSpPr>
-          <p:cNvPr id="14" name="TextBox 13">
-            <a:extLst>
-              <a:ext uri="{FF2B5EF4-FFF2-40B4-BE49-F238E27FC236}">
-                <a16:creationId xmlns:a16="http://schemas.microsoft.com/office/drawing/2014/main" id="{E9C67258-8D58-6442-BFA7-20628381FAA9}"/>
-              </a:ext>
-            </a:extLst>
-          </p:cNvPr>
-          <p:cNvSpPr txBox="1"/>
-          <p:nvPr/>
-        </p:nvSpPr>
-        <p:spPr>
-          <a:xfrm>
-            <a:off x="181988" y="1502688"/>
-            <a:ext cx="6851374" cy="646331"/>
-          </a:xfrm>
-          <a:prstGeom prst="rect">
-            <a:avLst/>
-          </a:prstGeom>
-          <a:noFill/>
-        </p:spPr>
-        <p:txBody>
-          <a:bodyPr wrap="square" rtlCol="0">
-            <a:spAutoFit/>
-          </a:bodyPr>
-          <a:lstStyle/>
-          <a:p>
-            <a:endParaRPr lang="en-US" dirty="0">
-              <a:solidFill>
-                <a:schemeClr val="bg1"/>
-              </a:solidFill>
-            </a:endParaRPr>
-          </a:p>
-          <a:p>
-            <a:endParaRPr lang="en-US" dirty="0">
-              <a:solidFill>
-                <a:schemeClr val="bg1"/>
-              </a:solidFill>
-            </a:endParaRPr>
-          </a:p>
-        </p:txBody>
-      </p:sp>
-      <p:pic>
-        <p:nvPicPr>
-          <p:cNvPr id="3" name="Picture 2" descr="Text&#10;&#10;Description automatically generated">
-            <a:extLst>
-              <a:ext uri="{FF2B5EF4-FFF2-40B4-BE49-F238E27FC236}">
-                <a16:creationId xmlns:a16="http://schemas.microsoft.com/office/drawing/2014/main" id="{47BA22A8-7425-374C-8805-EB9F13F6B9EC}"/>
-              </a:ext>
-            </a:extLst>
-          </p:cNvPr>
-          <p:cNvPicPr>
-            <a:picLocks noChangeAspect="1"/>
-          </p:cNvPicPr>
-          <p:nvPr/>
-        </p:nvPicPr>
-        <p:blipFill rotWithShape="1">
-          <a:blip r:embed="rId2"/>
-          <a:srcRect/>
-          <a:stretch/>
-        </p:blipFill>
-        <p:spPr>
-          <a:xfrm>
-            <a:off x="560132" y="1619789"/>
-            <a:ext cx="5535868" cy="5042815"/>
-          </a:xfrm>
-          <a:prstGeom prst="rect">
-            <a:avLst/>
-          </a:prstGeom>
-          <a:effectLst>
-            <a:softEdge rad="50800"/>
-          </a:effectLst>
-        </p:spPr>
-      </p:pic>
-      <p:pic>
-        <p:nvPicPr>
-          <p:cNvPr id="5" name="Picture 4" descr="Chart, timeline&#10;&#10;Description automatically generated">
-            <a:extLst>
-              <a:ext uri="{FF2B5EF4-FFF2-40B4-BE49-F238E27FC236}">
-                <a16:creationId xmlns:a16="http://schemas.microsoft.com/office/drawing/2014/main" id="{A4A2808A-EB32-1447-8E83-976C35DA998B}"/>
-              </a:ext>
-            </a:extLst>
-          </p:cNvPr>
-          <p:cNvPicPr>
-            <a:picLocks noChangeAspect="1"/>
-          </p:cNvPicPr>
-          <p:nvPr/>
-        </p:nvPicPr>
-        <p:blipFill>
-          <a:blip r:embed="rId3"/>
-          <a:stretch>
-            <a:fillRect/>
-          </a:stretch>
-        </p:blipFill>
-        <p:spPr>
-          <a:xfrm>
-            <a:off x="6318659" y="1619789"/>
-            <a:ext cx="5535868" cy="5042815"/>
-          </a:xfrm>
-          <a:prstGeom prst="rect">
-            <a:avLst/>
-          </a:prstGeom>
-          <a:effectLst>
-            <a:softEdge rad="50800"/>
-          </a:effectLst>
-        </p:spPr>
-      </p:pic>
-      <p:sp>
-        <p:nvSpPr>
-          <p:cNvPr id="10" name="TextBox 9">
-            <a:extLst>
-              <a:ext uri="{FF2B5EF4-FFF2-40B4-BE49-F238E27FC236}">
-                <a16:creationId xmlns:a16="http://schemas.microsoft.com/office/drawing/2014/main" id="{D23F7823-C841-A04A-9FAB-39817DF7E840}"/>
+          <p:cNvPr id="11" name="TextBox 10">
+            <a:extLst>
+              <a:ext uri="{FF2B5EF4-FFF2-40B4-BE49-F238E27FC236}">
+                <a16:creationId xmlns:a16="http://schemas.microsoft.com/office/drawing/2014/main" id="{91F31769-1FCD-5346-B8F5-B22BE4011B28}"/>
               </a:ext>
             </a:extLst>
           </p:cNvPr>
@@ -4179,10 +4086,117 @@
       </p:sp>
       <p:sp>
         <p:nvSpPr>
-          <p:cNvPr id="11" name="TextBox 10">
-            <a:extLst>
-              <a:ext uri="{FF2B5EF4-FFF2-40B4-BE49-F238E27FC236}">
-                <a16:creationId xmlns:a16="http://schemas.microsoft.com/office/drawing/2014/main" id="{3E7F8FDD-8C19-5446-8F69-21AE0E7AA40F}"/>
+          <p:cNvPr id="4" name="Content Placeholder 3">
+            <a:extLst>
+              <a:ext uri="{FF2B5EF4-FFF2-40B4-BE49-F238E27FC236}">
+                <a16:creationId xmlns:a16="http://schemas.microsoft.com/office/drawing/2014/main" id="{632FE083-1EBE-CB4C-B153-070D3C2696DA}"/>
+              </a:ext>
+            </a:extLst>
+          </p:cNvPr>
+          <p:cNvSpPr>
+            <a:spLocks noGrp="1"/>
+          </p:cNvSpPr>
+          <p:nvPr>
+            <p:ph idx="1"/>
+          </p:nvPr>
+        </p:nvSpPr>
+        <p:spPr>
+          <a:xfrm>
+            <a:off x="535780" y="1985963"/>
+            <a:ext cx="10818019" cy="4191000"/>
+          </a:xfrm>
+        </p:spPr>
+        <p:txBody>
+          <a:bodyPr>
+            <a:normAutofit/>
+          </a:bodyPr>
+          <a:lstStyle/>
+          <a:p>
+            <a:pPr marL="0" indent="0">
+              <a:buNone/>
+            </a:pPr>
+            <a:endParaRPr lang="en-US" dirty="0">
+              <a:solidFill>
+                <a:schemeClr val="bg1"/>
+              </a:solidFill>
+            </a:endParaRPr>
+          </a:p>
+          <a:p>
+            <a:pPr marL="0" indent="0">
+              <a:buNone/>
+            </a:pPr>
+            <a:r>
+              <a:rPr lang="en-US" dirty="0">
+                <a:solidFill>
+                  <a:schemeClr val="bg1"/>
+                </a:solidFill>
+              </a:rPr>
+              <a:t>Need a screenshot of </a:t>
+            </a:r>
+            <a:r>
+              <a:rPr lang="en-US" dirty="0" err="1">
+                <a:solidFill>
+                  <a:schemeClr val="bg1"/>
+                </a:solidFill>
+              </a:rPr>
+              <a:t>pablos</a:t>
+            </a:r>
+            <a:r>
+              <a:rPr lang="en-US" dirty="0">
+                <a:solidFill>
+                  <a:schemeClr val="bg1"/>
+                </a:solidFill>
+              </a:rPr>
+              <a:t> computer -&gt;black background</a:t>
+            </a:r>
+          </a:p>
+          <a:p>
+            <a:pPr marL="0" indent="0">
+              <a:buNone/>
+            </a:pPr>
+            <a:endParaRPr lang="en-US" dirty="0">
+              <a:solidFill>
+                <a:schemeClr val="bg1"/>
+              </a:solidFill>
+            </a:endParaRPr>
+          </a:p>
+        </p:txBody>
+      </p:sp>
+      <p:sp>
+        <p:nvSpPr>
+          <p:cNvPr id="12" name="Slide Number Placeholder 11">
+            <a:extLst>
+              <a:ext uri="{FF2B5EF4-FFF2-40B4-BE49-F238E27FC236}">
+                <a16:creationId xmlns:a16="http://schemas.microsoft.com/office/drawing/2014/main" id="{1704ACC7-0177-3247-8723-6683DB2BEC7C}"/>
+              </a:ext>
+            </a:extLst>
+          </p:cNvPr>
+          <p:cNvSpPr>
+            <a:spLocks noGrp="1"/>
+          </p:cNvSpPr>
+          <p:nvPr>
+            <p:ph type="sldNum" sz="quarter" idx="12"/>
+          </p:nvPr>
+        </p:nvSpPr>
+        <p:spPr/>
+        <p:txBody>
+          <a:bodyPr/>
+          <a:lstStyle/>
+          <a:p>
+            <a:fld id="{D81FC35F-552F-C744-8838-5C4CD9D879AD}" type="slidenum">
+              <a:rPr lang="en-US" smtClean="0"/>
+              <a:t>2</a:t>
+            </a:fld>
+            <a:endParaRPr lang="en-US"/>
+          </a:p>
+        </p:txBody>
+      </p:sp>
+      <p:sp>
+        <p:nvSpPr>
+          <p:cNvPr id="15" name="TextBox 14">
+            <a:extLst>
+              <a:ext uri="{FF2B5EF4-FFF2-40B4-BE49-F238E27FC236}">
+                <a16:creationId xmlns:a16="http://schemas.microsoft.com/office/drawing/2014/main" id="{A5BA6AA6-6379-C14C-9614-16A419991765}"/>
               </a:ext>
             </a:extLst>
           </p:cNvPr>
@@ -4191,8 +4205,8 @@
         </p:nvSpPr>
         <p:spPr>
           <a:xfrm>
-            <a:off x="181988" y="1061467"/>
-            <a:ext cx="10038972" cy="461665"/>
+            <a:off x="535781" y="1301234"/>
+            <a:ext cx="6100762" cy="461665"/>
           </a:xfrm>
           <a:prstGeom prst="rect">
             <a:avLst/>
@@ -4205,68 +4219,23 @@
           </a:bodyPr>
           <a:lstStyle/>
           <a:p>
-            <a:r>
-              <a:rPr lang="en-US" sz="2400" b="0" i="0" u="none" strike="noStrike" dirty="0">
+            <a:pPr rtl="0"/>
+            <a:r>
+              <a:rPr lang="en-US" sz="2400" b="0" i="0" u="none" strike="noStrike" kern="1200" baseline="0" dirty="0">
                 <a:solidFill>
                   <a:srgbClr val="00FF00"/>
                 </a:solidFill>
-                <a:effectLst/>
                 <a:latin typeface="Trebuchet MS" panose="020B0703020202090204" pitchFamily="34" charset="0"/>
               </a:rPr>
-              <a:t>Minorit</a:t>
-            </a:r>
-            <a:r>
-              <a:rPr lang="en-US" sz="2400" dirty="0">
-                <a:solidFill>
-                  <a:srgbClr val="00FF00"/>
-                </a:solidFill>
-                <a:latin typeface="Trebuchet MS" panose="020B0703020202090204" pitchFamily="34" charset="0"/>
-              </a:rPr>
-              <a:t>y Enrollment Numbers: Mosaic Plot</a:t>
-            </a:r>
-            <a:endParaRPr lang="en-US" sz="2400" b="0" i="0" u="none" strike="noStrike" dirty="0">
-              <a:solidFill>
-                <a:srgbClr val="00FF00"/>
-              </a:solidFill>
-              <a:effectLst/>
-              <a:latin typeface="Trebuchet MS" panose="020B0703020202090204" pitchFamily="34" charset="0"/>
-            </a:endParaRPr>
-          </a:p>
-        </p:txBody>
-      </p:sp>
-      <p:sp>
-        <p:nvSpPr>
-          <p:cNvPr id="6" name="Slide Number Placeholder 5">
-            <a:extLst>
-              <a:ext uri="{FF2B5EF4-FFF2-40B4-BE49-F238E27FC236}">
-                <a16:creationId xmlns:a16="http://schemas.microsoft.com/office/drawing/2014/main" id="{979F68B9-DA5F-7244-8118-15307AB79AED}"/>
-              </a:ext>
-            </a:extLst>
-          </p:cNvPr>
-          <p:cNvSpPr>
-            <a:spLocks noGrp="1"/>
-          </p:cNvSpPr>
-          <p:nvPr>
-            <p:ph type="sldNum" sz="quarter" idx="12"/>
-          </p:nvPr>
-        </p:nvSpPr>
-        <p:spPr/>
-        <p:txBody>
-          <a:bodyPr/>
-          <a:lstStyle/>
-          <a:p>
-            <a:fld id="{D81FC35F-552F-C744-8838-5C4CD9D879AD}" type="slidenum">
-              <a:rPr lang="en-US" smtClean="0"/>
-              <a:t>2</a:t>
-            </a:fld>
-            <a:endParaRPr lang="en-US"/>
+              <a:t>Cleaning the data</a:t>
+            </a:r>
           </a:p>
         </p:txBody>
       </p:sp>
     </p:spTree>
     <p:extLst>
       <p:ext uri="{BB962C8B-B14F-4D97-AF65-F5344CB8AC3E}">
-        <p14:creationId xmlns:p14="http://schemas.microsoft.com/office/powerpoint/2010/main" val="3112044713"/>
+        <p14:creationId xmlns:p14="http://schemas.microsoft.com/office/powerpoint/2010/main" val="2384740108"/>
       </p:ext>
     </p:extLst>
   </p:cSld>
@@ -4303,10 +4272,10 @@
       </p:grpSpPr>
       <p:sp>
         <p:nvSpPr>
-          <p:cNvPr id="14" name="TextBox 13">
-            <a:extLst>
-              <a:ext uri="{FF2B5EF4-FFF2-40B4-BE49-F238E27FC236}">
-                <a16:creationId xmlns:a16="http://schemas.microsoft.com/office/drawing/2014/main" id="{E9C67258-8D58-6442-BFA7-20628381FAA9}"/>
+          <p:cNvPr id="7" name="TextBox 6">
+            <a:extLst>
+              <a:ext uri="{FF2B5EF4-FFF2-40B4-BE49-F238E27FC236}">
+                <a16:creationId xmlns:a16="http://schemas.microsoft.com/office/drawing/2014/main" id="{3A1B497A-B3CE-8E45-B45E-CA2F731023E0}"/>
               </a:ext>
             </a:extLst>
           </p:cNvPr>
@@ -4315,8 +4284,8 @@
         </p:nvSpPr>
         <p:spPr>
           <a:xfrm>
-            <a:off x="181988" y="1502688"/>
-            <a:ext cx="6851374" cy="646331"/>
+            <a:off x="181988" y="1200618"/>
+            <a:ext cx="10038972" cy="461665"/>
           </a:xfrm>
           <a:prstGeom prst="rect">
             <a:avLst/>
@@ -4324,32 +4293,46 @@
           <a:noFill/>
         </p:spPr>
         <p:txBody>
-          <a:bodyPr wrap="square" rtlCol="0">
+          <a:bodyPr wrap="square">
             <a:spAutoFit/>
           </a:bodyPr>
           <a:lstStyle/>
           <a:p>
-            <a:endParaRPr lang="en-US" dirty="0">
+            <a:r>
+              <a:rPr lang="en-US" sz="2400" b="0" i="0" u="none" strike="noStrike" dirty="0">
+                <a:solidFill>
+                  <a:srgbClr val="00FF00"/>
+                </a:solidFill>
+                <a:effectLst/>
+                <a:latin typeface="Trebuchet MS" panose="020B0703020202090204" pitchFamily="34" charset="0"/>
+              </a:rPr>
+              <a:t>Minorit</a:t>
+            </a:r>
+            <a:r>
+              <a:rPr lang="en-US" sz="2400" dirty="0">
+                <a:solidFill>
+                  <a:srgbClr val="00FF00"/>
+                </a:solidFill>
+                <a:latin typeface="Trebuchet MS" panose="020B0703020202090204" pitchFamily="34" charset="0"/>
+              </a:rPr>
+              <a:t>y Enrollment Numbers: Interactive Map</a:t>
+            </a:r>
+            <a:endParaRPr lang="en-US" sz="2400" b="0" i="0" u="none" strike="noStrike" dirty="0">
               <a:solidFill>
-                <a:schemeClr val="bg1"/>
+                <a:srgbClr val="00FF00"/>
               </a:solidFill>
-            </a:endParaRPr>
-          </a:p>
-          <a:p>
-            <a:endParaRPr lang="en-US" dirty="0">
-              <a:solidFill>
-                <a:schemeClr val="bg1"/>
-              </a:solidFill>
+              <a:effectLst/>
+              <a:latin typeface="Trebuchet MS" panose="020B0703020202090204" pitchFamily="34" charset="0"/>
             </a:endParaRPr>
           </a:p>
         </p:txBody>
       </p:sp>
       <p:pic>
         <p:nvPicPr>
-          <p:cNvPr id="4" name="Picture 3" descr="Text&#10;&#10;Description automatically generated">
-            <a:extLst>
-              <a:ext uri="{FF2B5EF4-FFF2-40B4-BE49-F238E27FC236}">
-                <a16:creationId xmlns:a16="http://schemas.microsoft.com/office/drawing/2014/main" id="{1C05E07F-48F8-5C48-AB0A-0249A94D21A8}"/>
+          <p:cNvPr id="8" name="Picture 7" descr="Text&#10;&#10;Description automatically generated">
+            <a:extLst>
+              <a:ext uri="{FF2B5EF4-FFF2-40B4-BE49-F238E27FC236}">
+                <a16:creationId xmlns:a16="http://schemas.microsoft.com/office/drawing/2014/main" id="{3375DFCF-2CA5-414C-B230-615F68E570A0}"/>
               </a:ext>
             </a:extLst>
           </p:cNvPr>
@@ -4358,16 +4341,15 @@
           </p:cNvPicPr>
           <p:nvPr/>
         </p:nvPicPr>
-        <p:blipFill>
+        <p:blipFill rotWithShape="1">
           <a:blip r:embed="rId2"/>
-          <a:stretch>
-            <a:fillRect/>
-          </a:stretch>
+          <a:srcRect t="2030"/>
+          <a:stretch/>
         </p:blipFill>
         <p:spPr>
           <a:xfrm>
-            <a:off x="379299" y="1543576"/>
-            <a:ext cx="5678418" cy="5022298"/>
+            <a:off x="296546" y="1739998"/>
+            <a:ext cx="6993321" cy="4798914"/>
           </a:xfrm>
           <a:prstGeom prst="rect">
             <a:avLst/>
@@ -4377,45 +4359,12 @@
           </a:effectLst>
         </p:spPr>
       </p:pic>
-      <p:pic>
-        <p:nvPicPr>
-          <p:cNvPr id="8" name="Picture 7" descr="Table&#10;&#10;Description automatically generated">
-            <a:extLst>
-              <a:ext uri="{FF2B5EF4-FFF2-40B4-BE49-F238E27FC236}">
-                <a16:creationId xmlns:a16="http://schemas.microsoft.com/office/drawing/2014/main" id="{75416D67-843F-624F-8F5E-A9F2F3FA1E12}"/>
-              </a:ext>
-            </a:extLst>
-          </p:cNvPr>
-          <p:cNvPicPr>
-            <a:picLocks noChangeAspect="1"/>
-          </p:cNvPicPr>
-          <p:nvPr/>
-        </p:nvPicPr>
-        <p:blipFill>
-          <a:blip r:embed="rId3"/>
-          <a:stretch>
-            <a:fillRect/>
-          </a:stretch>
-        </p:blipFill>
-        <p:spPr>
-          <a:xfrm>
-            <a:off x="6224981" y="2223658"/>
-            <a:ext cx="5621512" cy="3131654"/>
-          </a:xfrm>
-          <a:prstGeom prst="rect">
-            <a:avLst/>
-          </a:prstGeom>
-          <a:effectLst>
-            <a:softEdge rad="50800"/>
-          </a:effectLst>
-        </p:spPr>
-      </p:pic>
-      <p:sp>
-        <p:nvSpPr>
-          <p:cNvPr id="10" name="TextBox 9">
-            <a:extLst>
-              <a:ext uri="{FF2B5EF4-FFF2-40B4-BE49-F238E27FC236}">
-                <a16:creationId xmlns:a16="http://schemas.microsoft.com/office/drawing/2014/main" id="{F9EC654D-94C4-B14D-B386-087046BB075B}"/>
+      <p:sp>
+        <p:nvSpPr>
+          <p:cNvPr id="11" name="TextBox 10">
+            <a:extLst>
+              <a:ext uri="{FF2B5EF4-FFF2-40B4-BE49-F238E27FC236}">
+                <a16:creationId xmlns:a16="http://schemas.microsoft.com/office/drawing/2014/main" id="{91F31769-1FCD-5346-B8F5-B22BE4011B28}"/>
               </a:ext>
             </a:extLst>
           </p:cNvPr>
@@ -4481,67 +4430,10 @@
       </p:sp>
       <p:sp>
         <p:nvSpPr>
-          <p:cNvPr id="11" name="TextBox 10">
-            <a:extLst>
-              <a:ext uri="{FF2B5EF4-FFF2-40B4-BE49-F238E27FC236}">
-                <a16:creationId xmlns:a16="http://schemas.microsoft.com/office/drawing/2014/main" id="{7CADD5E3-699C-5549-8FCD-9160EA8292FD}"/>
-              </a:ext>
-            </a:extLst>
-          </p:cNvPr>
-          <p:cNvSpPr txBox="1"/>
-          <p:nvPr/>
-        </p:nvSpPr>
-        <p:spPr>
-          <a:xfrm>
-            <a:off x="181988" y="1061467"/>
-            <a:ext cx="10038972" cy="461665"/>
-          </a:xfrm>
-          <a:prstGeom prst="rect">
-            <a:avLst/>
-          </a:prstGeom>
-          <a:noFill/>
-        </p:spPr>
-        <p:txBody>
-          <a:bodyPr wrap="square">
-            <a:spAutoFit/>
-          </a:bodyPr>
-          <a:lstStyle/>
-          <a:p>
-            <a:r>
-              <a:rPr lang="en-US" sz="2400" b="0" i="0" u="none" strike="noStrike" dirty="0">
-                <a:solidFill>
-                  <a:srgbClr val="00FF00"/>
-                </a:solidFill>
-                <a:effectLst/>
-                <a:latin typeface="Trebuchet MS" panose="020B0703020202090204" pitchFamily="34" charset="0"/>
-              </a:rPr>
-              <a:t>Minorit</a:t>
-            </a:r>
-            <a:r>
-              <a:rPr lang="en-US" sz="2400" dirty="0">
-                <a:solidFill>
-                  <a:srgbClr val="00FF00"/>
-                </a:solidFill>
-                <a:latin typeface="Trebuchet MS" panose="020B0703020202090204" pitchFamily="34" charset="0"/>
-              </a:rPr>
-              <a:t>y Enrollment Numbers: Interactive Table</a:t>
-            </a:r>
-            <a:endParaRPr lang="en-US" sz="2400" b="0" i="0" u="none" strike="noStrike" dirty="0">
-              <a:solidFill>
-                <a:srgbClr val="00FF00"/>
-              </a:solidFill>
-              <a:effectLst/>
-              <a:latin typeface="Trebuchet MS" panose="020B0703020202090204" pitchFamily="34" charset="0"/>
-            </a:endParaRPr>
-          </a:p>
-        </p:txBody>
-      </p:sp>
-      <p:sp>
-        <p:nvSpPr>
-          <p:cNvPr id="9" name="Slide Number Placeholder 8">
-            <a:extLst>
-              <a:ext uri="{FF2B5EF4-FFF2-40B4-BE49-F238E27FC236}">
-                <a16:creationId xmlns:a16="http://schemas.microsoft.com/office/drawing/2014/main" id="{05AF9B19-7370-7946-984B-892D941D5769}"/>
+          <p:cNvPr id="12" name="Slide Number Placeholder 11">
+            <a:extLst>
+              <a:ext uri="{FF2B5EF4-FFF2-40B4-BE49-F238E27FC236}">
+                <a16:creationId xmlns:a16="http://schemas.microsoft.com/office/drawing/2014/main" id="{1704ACC7-0177-3247-8723-6683DB2BEC7C}"/>
               </a:ext>
             </a:extLst>
           </p:cNvPr>
@@ -4565,10 +4457,42 @@
           </a:p>
         </p:txBody>
       </p:sp>
+      <p:pic>
+        <p:nvPicPr>
+          <p:cNvPr id="2" name="Picture 1">
+            <a:extLst>
+              <a:ext uri="{FF2B5EF4-FFF2-40B4-BE49-F238E27FC236}">
+                <a16:creationId xmlns:a16="http://schemas.microsoft.com/office/drawing/2014/main" id="{922368F0-C572-D340-81F6-FE4DCD6A7AF8}"/>
+              </a:ext>
+            </a:extLst>
+          </p:cNvPr>
+          <p:cNvPicPr>
+            <a:picLocks noChangeAspect="1"/>
+          </p:cNvPicPr>
+          <p:nvPr/>
+        </p:nvPicPr>
+        <p:blipFill rotWithShape="1">
+          <a:blip r:embed="rId3"/>
+          <a:srcRect l="28189" t="7995" r="14223" b="5691"/>
+          <a:stretch/>
+        </p:blipFill>
+        <p:spPr>
+          <a:xfrm>
+            <a:off x="7359608" y="1739998"/>
+            <a:ext cx="4650404" cy="4694067"/>
+          </a:xfrm>
+          <a:prstGeom prst="rect">
+            <a:avLst/>
+          </a:prstGeom>
+          <a:effectLst>
+            <a:softEdge rad="183201"/>
+          </a:effectLst>
+        </p:spPr>
+      </p:pic>
     </p:spTree>
     <p:extLst>
       <p:ext uri="{BB962C8B-B14F-4D97-AF65-F5344CB8AC3E}">
-        <p14:creationId xmlns:p14="http://schemas.microsoft.com/office/powerpoint/2010/main" val="1479547214"/>
+        <p14:creationId xmlns:p14="http://schemas.microsoft.com/office/powerpoint/2010/main" val="3648498573"/>
       </p:ext>
     </p:extLst>
   </p:cSld>
@@ -4617,8 +4541,8 @@
         </p:nvSpPr>
         <p:spPr>
           <a:xfrm>
-            <a:off x="2779870" y="1194911"/>
-            <a:ext cx="4283540" cy="5663089"/>
+            <a:off x="181988" y="1502688"/>
+            <a:ext cx="6851374" cy="646331"/>
           </a:xfrm>
           <a:prstGeom prst="rect">
             <a:avLst/>
@@ -4638,126 +4562,85 @@
             </a:endParaRPr>
           </a:p>
           <a:p>
-            <a:r>
-              <a:rPr lang="en-US" sz="2800" dirty="0">
-                <a:solidFill>
-                  <a:srgbClr val="00FF00"/>
-                </a:solidFill>
-              </a:rPr>
-              <a:t>Dataset Used</a:t>
-            </a:r>
-          </a:p>
-          <a:p>
-            <a:endParaRPr lang="en-US" sz="2800" dirty="0">
-              <a:solidFill>
-                <a:schemeClr val="bg1"/>
-              </a:solidFill>
-            </a:endParaRPr>
-          </a:p>
-          <a:p>
-            <a:r>
-              <a:rPr lang="en-US" sz="2800" dirty="0">
-                <a:solidFill>
-                  <a:schemeClr val="bg1"/>
-                </a:solidFill>
-              </a:rPr>
-              <a:t>School Diversity - tidytuesdays </a:t>
-            </a:r>
-          </a:p>
-          <a:p>
-            <a:endParaRPr lang="en-US" sz="2800" dirty="0">
-              <a:solidFill>
-                <a:schemeClr val="bg1"/>
-              </a:solidFill>
-            </a:endParaRPr>
-          </a:p>
-          <a:p>
-            <a:r>
-              <a:rPr lang="en-US" sz="2800" dirty="0">
-                <a:solidFill>
-                  <a:srgbClr val="00FF00"/>
-                </a:solidFill>
-              </a:rPr>
-              <a:t>Key Tools Used</a:t>
-            </a:r>
-          </a:p>
-          <a:p>
-            <a:r>
-              <a:rPr lang="en-US" sz="2800" dirty="0">
-                <a:solidFill>
-                  <a:schemeClr val="bg1"/>
-                </a:solidFill>
-              </a:rPr>
-              <a:t>flexdashboard</a:t>
-            </a:r>
-          </a:p>
-          <a:p>
-            <a:r>
-              <a:rPr lang="en-US" sz="2800" dirty="0">
-                <a:solidFill>
-                  <a:schemeClr val="bg1"/>
-                </a:solidFill>
-              </a:rPr>
-              <a:t>leaflet</a:t>
-            </a:r>
-          </a:p>
-          <a:p>
-            <a:r>
-              <a:rPr lang="en-US" sz="2800" dirty="0">
-                <a:solidFill>
-                  <a:schemeClr val="bg1"/>
-                </a:solidFill>
-              </a:rPr>
-              <a:t>ggmosaic</a:t>
-            </a:r>
-          </a:p>
-          <a:p>
-            <a:r>
-              <a:rPr lang="en-US" sz="2800" dirty="0">
-                <a:solidFill>
-                  <a:schemeClr val="bg1"/>
-                </a:solidFill>
-              </a:rPr>
-              <a:t>ggplot2</a:t>
-            </a:r>
-          </a:p>
-          <a:p>
-            <a:r>
-              <a:rPr lang="en-US" sz="2800" dirty="0" err="1">
-                <a:solidFill>
-                  <a:schemeClr val="bg1"/>
-                </a:solidFill>
-              </a:rPr>
-              <a:t>datatable</a:t>
-            </a:r>
-            <a:endParaRPr lang="en-US" sz="2800" dirty="0">
-              <a:solidFill>
-                <a:schemeClr val="bg1"/>
-              </a:solidFill>
-            </a:endParaRPr>
-          </a:p>
-          <a:p>
             <a:endParaRPr lang="en-US" dirty="0">
               <a:solidFill>
                 <a:schemeClr val="bg1"/>
               </a:solidFill>
             </a:endParaRPr>
           </a:p>
-          <a:p>
-            <a:endParaRPr lang="en-US" dirty="0">
-              <a:solidFill>
-                <a:schemeClr val="bg1"/>
-              </a:solidFill>
-            </a:endParaRPr>
-          </a:p>
-        </p:txBody>
-      </p:sp>
-      <p:sp>
-        <p:nvSpPr>
-          <p:cNvPr id="21" name="TextBox 20">
-            <a:extLst>
-              <a:ext uri="{FF2B5EF4-FFF2-40B4-BE49-F238E27FC236}">
-                <a16:creationId xmlns:a16="http://schemas.microsoft.com/office/drawing/2014/main" id="{C010D3B8-F982-474D-9E8C-382FD0D0C698}"/>
+        </p:txBody>
+      </p:sp>
+      <p:pic>
+        <p:nvPicPr>
+          <p:cNvPr id="3" name="Picture 2" descr="Text&#10;&#10;Description automatically generated">
+            <a:extLst>
+              <a:ext uri="{FF2B5EF4-FFF2-40B4-BE49-F238E27FC236}">
+                <a16:creationId xmlns:a16="http://schemas.microsoft.com/office/drawing/2014/main" id="{47BA22A8-7425-374C-8805-EB9F13F6B9EC}"/>
+              </a:ext>
+            </a:extLst>
+          </p:cNvPr>
+          <p:cNvPicPr>
+            <a:picLocks noChangeAspect="1"/>
+          </p:cNvPicPr>
+          <p:nvPr/>
+        </p:nvPicPr>
+        <p:blipFill rotWithShape="1">
+          <a:blip r:embed="rId2"/>
+          <a:srcRect/>
+          <a:stretch/>
+        </p:blipFill>
+        <p:spPr>
+          <a:xfrm>
+            <a:off x="560132" y="1619789"/>
+            <a:ext cx="5535868" cy="5042815"/>
+          </a:xfrm>
+          <a:prstGeom prst="rect">
+            <a:avLst/>
+          </a:prstGeom>
+          <a:effectLst>
+            <a:softEdge rad="50800"/>
+          </a:effectLst>
+        </p:spPr>
+      </p:pic>
+      <p:pic>
+        <p:nvPicPr>
+          <p:cNvPr id="5" name="Picture 4" descr="Chart, timeline&#10;&#10;Description automatically generated">
+            <a:extLst>
+              <a:ext uri="{FF2B5EF4-FFF2-40B4-BE49-F238E27FC236}">
+                <a16:creationId xmlns:a16="http://schemas.microsoft.com/office/drawing/2014/main" id="{A4A2808A-EB32-1447-8E83-976C35DA998B}"/>
+              </a:ext>
+            </a:extLst>
+          </p:cNvPr>
+          <p:cNvPicPr>
+            <a:picLocks noChangeAspect="1"/>
+          </p:cNvPicPr>
+          <p:nvPr/>
+        </p:nvPicPr>
+        <p:blipFill>
+          <a:blip r:embed="rId3"/>
+          <a:stretch>
+            <a:fillRect/>
+          </a:stretch>
+        </p:blipFill>
+        <p:spPr>
+          <a:xfrm>
+            <a:off x="6318659" y="1619789"/>
+            <a:ext cx="5535868" cy="5042815"/>
+          </a:xfrm>
+          <a:prstGeom prst="rect">
+            <a:avLst/>
+          </a:prstGeom>
+          <a:effectLst>
+            <a:softEdge rad="50800"/>
+          </a:effectLst>
+        </p:spPr>
+      </p:pic>
+      <p:sp>
+        <p:nvSpPr>
+          <p:cNvPr id="10" name="TextBox 9">
+            <a:extLst>
+              <a:ext uri="{FF2B5EF4-FFF2-40B4-BE49-F238E27FC236}">
+                <a16:creationId xmlns:a16="http://schemas.microsoft.com/office/drawing/2014/main" id="{D23F7823-C841-A04A-9FAB-39817DF7E840}"/>
               </a:ext>
             </a:extLst>
           </p:cNvPr>
@@ -4823,6 +4706,650 @@
       </p:sp>
       <p:sp>
         <p:nvSpPr>
+          <p:cNvPr id="11" name="TextBox 10">
+            <a:extLst>
+              <a:ext uri="{FF2B5EF4-FFF2-40B4-BE49-F238E27FC236}">
+                <a16:creationId xmlns:a16="http://schemas.microsoft.com/office/drawing/2014/main" id="{3E7F8FDD-8C19-5446-8F69-21AE0E7AA40F}"/>
+              </a:ext>
+            </a:extLst>
+          </p:cNvPr>
+          <p:cNvSpPr txBox="1"/>
+          <p:nvPr/>
+        </p:nvSpPr>
+        <p:spPr>
+          <a:xfrm>
+            <a:off x="181988" y="1061467"/>
+            <a:ext cx="10038972" cy="461665"/>
+          </a:xfrm>
+          <a:prstGeom prst="rect">
+            <a:avLst/>
+          </a:prstGeom>
+          <a:noFill/>
+        </p:spPr>
+        <p:txBody>
+          <a:bodyPr wrap="square">
+            <a:spAutoFit/>
+          </a:bodyPr>
+          <a:lstStyle/>
+          <a:p>
+            <a:r>
+              <a:rPr lang="en-US" sz="2400" b="0" i="0" u="none" strike="noStrike" dirty="0">
+                <a:solidFill>
+                  <a:srgbClr val="00FF00"/>
+                </a:solidFill>
+                <a:effectLst/>
+                <a:latin typeface="Trebuchet MS" panose="020B0703020202090204" pitchFamily="34" charset="0"/>
+              </a:rPr>
+              <a:t>Minorit</a:t>
+            </a:r>
+            <a:r>
+              <a:rPr lang="en-US" sz="2400" dirty="0">
+                <a:solidFill>
+                  <a:srgbClr val="00FF00"/>
+                </a:solidFill>
+                <a:latin typeface="Trebuchet MS" panose="020B0703020202090204" pitchFamily="34" charset="0"/>
+              </a:rPr>
+              <a:t>y Enrollment Numbers: Mosaic Plot</a:t>
+            </a:r>
+            <a:endParaRPr lang="en-US" sz="2400" b="0" i="0" u="none" strike="noStrike" dirty="0">
+              <a:solidFill>
+                <a:srgbClr val="00FF00"/>
+              </a:solidFill>
+              <a:effectLst/>
+              <a:latin typeface="Trebuchet MS" panose="020B0703020202090204" pitchFamily="34" charset="0"/>
+            </a:endParaRPr>
+          </a:p>
+        </p:txBody>
+      </p:sp>
+      <p:sp>
+        <p:nvSpPr>
+          <p:cNvPr id="6" name="Slide Number Placeholder 5">
+            <a:extLst>
+              <a:ext uri="{FF2B5EF4-FFF2-40B4-BE49-F238E27FC236}">
+                <a16:creationId xmlns:a16="http://schemas.microsoft.com/office/drawing/2014/main" id="{979F68B9-DA5F-7244-8118-15307AB79AED}"/>
+              </a:ext>
+            </a:extLst>
+          </p:cNvPr>
+          <p:cNvSpPr>
+            <a:spLocks noGrp="1"/>
+          </p:cNvSpPr>
+          <p:nvPr>
+            <p:ph type="sldNum" sz="quarter" idx="12"/>
+          </p:nvPr>
+        </p:nvSpPr>
+        <p:spPr/>
+        <p:txBody>
+          <a:bodyPr/>
+          <a:lstStyle/>
+          <a:p>
+            <a:fld id="{D81FC35F-552F-C744-8838-5C4CD9D879AD}" type="slidenum">
+              <a:rPr lang="en-US" smtClean="0"/>
+              <a:t>4</a:t>
+            </a:fld>
+            <a:endParaRPr lang="en-US"/>
+          </a:p>
+        </p:txBody>
+      </p:sp>
+    </p:spTree>
+    <p:extLst>
+      <p:ext uri="{BB962C8B-B14F-4D97-AF65-F5344CB8AC3E}">
+        <p14:creationId xmlns:p14="http://schemas.microsoft.com/office/powerpoint/2010/main" val="3112044713"/>
+      </p:ext>
+    </p:extLst>
+  </p:cSld>
+  <p:clrMapOvr>
+    <a:masterClrMapping/>
+  </p:clrMapOvr>
+</p:sld>
+</file>
+
+<file path=ppt/slides/slide5.xml><?xml version="1.0" encoding="utf-8"?>
+<p:sld xmlns:a="http://schemas.openxmlformats.org/drawingml/2006/main" xmlns:r="http://schemas.openxmlformats.org/officeDocument/2006/relationships" xmlns:p="http://schemas.openxmlformats.org/presentationml/2006/main">
+  <p:cSld>
+    <p:bg>
+      <p:bgPr>
+        <a:solidFill>
+          <a:schemeClr val="tx1"/>
+        </a:solidFill>
+        <a:effectLst/>
+      </p:bgPr>
+    </p:bg>
+    <p:spTree>
+      <p:nvGrpSpPr>
+        <p:cNvPr id="1" name=""/>
+        <p:cNvGrpSpPr/>
+        <p:nvPr/>
+      </p:nvGrpSpPr>
+      <p:grpSpPr>
+        <a:xfrm>
+          <a:off x="0" y="0"/>
+          <a:ext cx="0" cy="0"/>
+          <a:chOff x="0" y="0"/>
+          <a:chExt cx="0" cy="0"/>
+        </a:xfrm>
+      </p:grpSpPr>
+      <p:sp>
+        <p:nvSpPr>
+          <p:cNvPr id="14" name="TextBox 13">
+            <a:extLst>
+              <a:ext uri="{FF2B5EF4-FFF2-40B4-BE49-F238E27FC236}">
+                <a16:creationId xmlns:a16="http://schemas.microsoft.com/office/drawing/2014/main" id="{E9C67258-8D58-6442-BFA7-20628381FAA9}"/>
+              </a:ext>
+            </a:extLst>
+          </p:cNvPr>
+          <p:cNvSpPr txBox="1"/>
+          <p:nvPr/>
+        </p:nvSpPr>
+        <p:spPr>
+          <a:xfrm>
+            <a:off x="181988" y="1502688"/>
+            <a:ext cx="6851374" cy="646331"/>
+          </a:xfrm>
+          <a:prstGeom prst="rect">
+            <a:avLst/>
+          </a:prstGeom>
+          <a:noFill/>
+        </p:spPr>
+        <p:txBody>
+          <a:bodyPr wrap="square" rtlCol="0">
+            <a:spAutoFit/>
+          </a:bodyPr>
+          <a:lstStyle/>
+          <a:p>
+            <a:endParaRPr lang="en-US" dirty="0">
+              <a:solidFill>
+                <a:schemeClr val="bg1"/>
+              </a:solidFill>
+            </a:endParaRPr>
+          </a:p>
+          <a:p>
+            <a:endParaRPr lang="en-US" dirty="0">
+              <a:solidFill>
+                <a:schemeClr val="bg1"/>
+              </a:solidFill>
+            </a:endParaRPr>
+          </a:p>
+        </p:txBody>
+      </p:sp>
+      <p:pic>
+        <p:nvPicPr>
+          <p:cNvPr id="4" name="Picture 3" descr="Text&#10;&#10;Description automatically generated">
+            <a:extLst>
+              <a:ext uri="{FF2B5EF4-FFF2-40B4-BE49-F238E27FC236}">
+                <a16:creationId xmlns:a16="http://schemas.microsoft.com/office/drawing/2014/main" id="{1C05E07F-48F8-5C48-AB0A-0249A94D21A8}"/>
+              </a:ext>
+            </a:extLst>
+          </p:cNvPr>
+          <p:cNvPicPr>
+            <a:picLocks noChangeAspect="1"/>
+          </p:cNvPicPr>
+          <p:nvPr/>
+        </p:nvPicPr>
+        <p:blipFill>
+          <a:blip r:embed="rId2"/>
+          <a:stretch>
+            <a:fillRect/>
+          </a:stretch>
+        </p:blipFill>
+        <p:spPr>
+          <a:xfrm>
+            <a:off x="379299" y="1543576"/>
+            <a:ext cx="5678418" cy="5022298"/>
+          </a:xfrm>
+          <a:prstGeom prst="rect">
+            <a:avLst/>
+          </a:prstGeom>
+          <a:effectLst>
+            <a:softEdge rad="50800"/>
+          </a:effectLst>
+        </p:spPr>
+      </p:pic>
+      <p:pic>
+        <p:nvPicPr>
+          <p:cNvPr id="8" name="Picture 7" descr="Table&#10;&#10;Description automatically generated">
+            <a:extLst>
+              <a:ext uri="{FF2B5EF4-FFF2-40B4-BE49-F238E27FC236}">
+                <a16:creationId xmlns:a16="http://schemas.microsoft.com/office/drawing/2014/main" id="{75416D67-843F-624F-8F5E-A9F2F3FA1E12}"/>
+              </a:ext>
+            </a:extLst>
+          </p:cNvPr>
+          <p:cNvPicPr>
+            <a:picLocks noChangeAspect="1"/>
+          </p:cNvPicPr>
+          <p:nvPr/>
+        </p:nvPicPr>
+        <p:blipFill>
+          <a:blip r:embed="rId3"/>
+          <a:stretch>
+            <a:fillRect/>
+          </a:stretch>
+        </p:blipFill>
+        <p:spPr>
+          <a:xfrm>
+            <a:off x="6224981" y="2223658"/>
+            <a:ext cx="5621512" cy="3131654"/>
+          </a:xfrm>
+          <a:prstGeom prst="rect">
+            <a:avLst/>
+          </a:prstGeom>
+          <a:effectLst>
+            <a:softEdge rad="50800"/>
+          </a:effectLst>
+        </p:spPr>
+      </p:pic>
+      <p:sp>
+        <p:nvSpPr>
+          <p:cNvPr id="10" name="TextBox 9">
+            <a:extLst>
+              <a:ext uri="{FF2B5EF4-FFF2-40B4-BE49-F238E27FC236}">
+                <a16:creationId xmlns:a16="http://schemas.microsoft.com/office/drawing/2014/main" id="{F9EC654D-94C4-B14D-B386-087046BB075B}"/>
+              </a:ext>
+            </a:extLst>
+          </p:cNvPr>
+          <p:cNvSpPr txBox="1"/>
+          <p:nvPr/>
+        </p:nvSpPr>
+        <p:spPr>
+          <a:xfrm>
+            <a:off x="181988" y="127138"/>
+            <a:ext cx="11828024" cy="1015663"/>
+          </a:xfrm>
+          <a:prstGeom prst="rect">
+            <a:avLst/>
+          </a:prstGeom>
+          <a:noFill/>
+        </p:spPr>
+        <p:txBody>
+          <a:bodyPr wrap="square">
+            <a:spAutoFit/>
+          </a:bodyPr>
+          <a:lstStyle/>
+          <a:p>
+            <a:r>
+              <a:rPr lang="en-US" sz="3000" dirty="0">
+                <a:solidFill>
+                  <a:srgbClr val="FFFFFF"/>
+                </a:solidFill>
+                <a:latin typeface="Trebuchet MS" panose="020B0703020202090204" pitchFamily="34" charset="0"/>
+              </a:rPr>
+              <a:t>Most Enrolled Universities in Colorado</a:t>
+            </a:r>
+            <a:r>
+              <a:rPr lang="en-US" sz="3000" b="0" i="0" u="none" strike="noStrike" dirty="0">
+                <a:solidFill>
+                  <a:srgbClr val="FFFFFF"/>
+                </a:solidFill>
+                <a:effectLst/>
+                <a:latin typeface="Trebuchet MS" panose="020B0703020202090204" pitchFamily="34" charset="0"/>
+              </a:rPr>
+              <a:t>: A glance at </a:t>
+            </a:r>
+            <a:r>
+              <a:rPr lang="en-US" sz="3000" dirty="0">
+                <a:solidFill>
+                  <a:srgbClr val="FFFFFF"/>
+                </a:solidFill>
+                <a:latin typeface="Trebuchet MS" panose="020B0703020202090204" pitchFamily="34" charset="0"/>
+              </a:rPr>
+              <a:t>m</a:t>
+            </a:r>
+            <a:r>
+              <a:rPr lang="en-US" sz="3000" b="0" i="0" u="none" strike="noStrike" dirty="0">
+                <a:solidFill>
+                  <a:srgbClr val="FFFFFF"/>
+                </a:solidFill>
+                <a:effectLst/>
+                <a:latin typeface="Trebuchet MS" panose="020B0703020202090204" pitchFamily="34" charset="0"/>
+              </a:rPr>
+              <a:t>inority enrollment &amp; salary outlook </a:t>
+            </a:r>
+          </a:p>
+        </p:txBody>
+      </p:sp>
+      <p:sp>
+        <p:nvSpPr>
+          <p:cNvPr id="11" name="TextBox 10">
+            <a:extLst>
+              <a:ext uri="{FF2B5EF4-FFF2-40B4-BE49-F238E27FC236}">
+                <a16:creationId xmlns:a16="http://schemas.microsoft.com/office/drawing/2014/main" id="{7CADD5E3-699C-5549-8FCD-9160EA8292FD}"/>
+              </a:ext>
+            </a:extLst>
+          </p:cNvPr>
+          <p:cNvSpPr txBox="1"/>
+          <p:nvPr/>
+        </p:nvSpPr>
+        <p:spPr>
+          <a:xfrm>
+            <a:off x="181988" y="1061467"/>
+            <a:ext cx="10038972" cy="461665"/>
+          </a:xfrm>
+          <a:prstGeom prst="rect">
+            <a:avLst/>
+          </a:prstGeom>
+          <a:noFill/>
+        </p:spPr>
+        <p:txBody>
+          <a:bodyPr wrap="square">
+            <a:spAutoFit/>
+          </a:bodyPr>
+          <a:lstStyle/>
+          <a:p>
+            <a:r>
+              <a:rPr lang="en-US" sz="2400" b="0" i="0" u="none" strike="noStrike" dirty="0">
+                <a:solidFill>
+                  <a:srgbClr val="00FF00"/>
+                </a:solidFill>
+                <a:effectLst/>
+                <a:latin typeface="Trebuchet MS" panose="020B0703020202090204" pitchFamily="34" charset="0"/>
+              </a:rPr>
+              <a:t>Minorit</a:t>
+            </a:r>
+            <a:r>
+              <a:rPr lang="en-US" sz="2400" dirty="0">
+                <a:solidFill>
+                  <a:srgbClr val="00FF00"/>
+                </a:solidFill>
+                <a:latin typeface="Trebuchet MS" panose="020B0703020202090204" pitchFamily="34" charset="0"/>
+              </a:rPr>
+              <a:t>y Enrollment Numbers: Interactive Table</a:t>
+            </a:r>
+            <a:endParaRPr lang="en-US" sz="2400" b="0" i="0" u="none" strike="noStrike" dirty="0">
+              <a:solidFill>
+                <a:srgbClr val="00FF00"/>
+              </a:solidFill>
+              <a:effectLst/>
+              <a:latin typeface="Trebuchet MS" panose="020B0703020202090204" pitchFamily="34" charset="0"/>
+            </a:endParaRPr>
+          </a:p>
+        </p:txBody>
+      </p:sp>
+      <p:sp>
+        <p:nvSpPr>
+          <p:cNvPr id="9" name="Slide Number Placeholder 8">
+            <a:extLst>
+              <a:ext uri="{FF2B5EF4-FFF2-40B4-BE49-F238E27FC236}">
+                <a16:creationId xmlns:a16="http://schemas.microsoft.com/office/drawing/2014/main" id="{05AF9B19-7370-7946-984B-892D941D5769}"/>
+              </a:ext>
+            </a:extLst>
+          </p:cNvPr>
+          <p:cNvSpPr>
+            <a:spLocks noGrp="1"/>
+          </p:cNvSpPr>
+          <p:nvPr>
+            <p:ph type="sldNum" sz="quarter" idx="12"/>
+          </p:nvPr>
+        </p:nvSpPr>
+        <p:spPr/>
+        <p:txBody>
+          <a:bodyPr/>
+          <a:lstStyle/>
+          <a:p>
+            <a:fld id="{D81FC35F-552F-C744-8838-5C4CD9D879AD}" type="slidenum">
+              <a:rPr lang="en-US" smtClean="0"/>
+              <a:t>5</a:t>
+            </a:fld>
+            <a:endParaRPr lang="en-US"/>
+          </a:p>
+        </p:txBody>
+      </p:sp>
+    </p:spTree>
+    <p:extLst>
+      <p:ext uri="{BB962C8B-B14F-4D97-AF65-F5344CB8AC3E}">
+        <p14:creationId xmlns:p14="http://schemas.microsoft.com/office/powerpoint/2010/main" val="1479547214"/>
+      </p:ext>
+    </p:extLst>
+  </p:cSld>
+  <p:clrMapOvr>
+    <a:masterClrMapping/>
+  </p:clrMapOvr>
+</p:sld>
+</file>
+
+<file path=ppt/slides/slide6.xml><?xml version="1.0" encoding="utf-8"?>
+<p:sld xmlns:a="http://schemas.openxmlformats.org/drawingml/2006/main" xmlns:r="http://schemas.openxmlformats.org/officeDocument/2006/relationships" xmlns:p="http://schemas.openxmlformats.org/presentationml/2006/main">
+  <p:cSld>
+    <p:bg>
+      <p:bgPr>
+        <a:solidFill>
+          <a:schemeClr val="tx1"/>
+        </a:solidFill>
+        <a:effectLst/>
+      </p:bgPr>
+    </p:bg>
+    <p:spTree>
+      <p:nvGrpSpPr>
+        <p:cNvPr id="1" name=""/>
+        <p:cNvGrpSpPr/>
+        <p:nvPr/>
+      </p:nvGrpSpPr>
+      <p:grpSpPr>
+        <a:xfrm>
+          <a:off x="0" y="0"/>
+          <a:ext cx="0" cy="0"/>
+          <a:chOff x="0" y="0"/>
+          <a:chExt cx="0" cy="0"/>
+        </a:xfrm>
+      </p:grpSpPr>
+      <p:sp>
+        <p:nvSpPr>
+          <p:cNvPr id="14" name="TextBox 13">
+            <a:extLst>
+              <a:ext uri="{FF2B5EF4-FFF2-40B4-BE49-F238E27FC236}">
+                <a16:creationId xmlns:a16="http://schemas.microsoft.com/office/drawing/2014/main" id="{E9C67258-8D58-6442-BFA7-20628381FAA9}"/>
+              </a:ext>
+            </a:extLst>
+          </p:cNvPr>
+          <p:cNvSpPr txBox="1"/>
+          <p:nvPr/>
+        </p:nvSpPr>
+        <p:spPr>
+          <a:xfrm>
+            <a:off x="2779870" y="1194911"/>
+            <a:ext cx="4283540" cy="5663089"/>
+          </a:xfrm>
+          <a:prstGeom prst="rect">
+            <a:avLst/>
+          </a:prstGeom>
+          <a:noFill/>
+        </p:spPr>
+        <p:txBody>
+          <a:bodyPr wrap="square" rtlCol="0">
+            <a:spAutoFit/>
+          </a:bodyPr>
+          <a:lstStyle/>
+          <a:p>
+            <a:endParaRPr lang="en-US" dirty="0">
+              <a:solidFill>
+                <a:schemeClr val="bg1"/>
+              </a:solidFill>
+            </a:endParaRPr>
+          </a:p>
+          <a:p>
+            <a:r>
+              <a:rPr lang="en-US" sz="2800" dirty="0">
+                <a:solidFill>
+                  <a:srgbClr val="00FF00"/>
+                </a:solidFill>
+              </a:rPr>
+              <a:t>Dataset Used</a:t>
+            </a:r>
+          </a:p>
+          <a:p>
+            <a:endParaRPr lang="en-US" sz="2800" dirty="0">
+              <a:solidFill>
+                <a:schemeClr val="bg1"/>
+              </a:solidFill>
+            </a:endParaRPr>
+          </a:p>
+          <a:p>
+            <a:r>
+              <a:rPr lang="en-US" sz="2800" dirty="0">
+                <a:solidFill>
+                  <a:schemeClr val="bg1"/>
+                </a:solidFill>
+              </a:rPr>
+              <a:t>School Diversity - tidytuesdays </a:t>
+            </a:r>
+          </a:p>
+          <a:p>
+            <a:endParaRPr lang="en-US" sz="2800" dirty="0">
+              <a:solidFill>
+                <a:schemeClr val="bg1"/>
+              </a:solidFill>
+            </a:endParaRPr>
+          </a:p>
+          <a:p>
+            <a:r>
+              <a:rPr lang="en-US" sz="2800" dirty="0">
+                <a:solidFill>
+                  <a:srgbClr val="00FF00"/>
+                </a:solidFill>
+              </a:rPr>
+              <a:t>Key Tools Used</a:t>
+            </a:r>
+          </a:p>
+          <a:p>
+            <a:r>
+              <a:rPr lang="en-US" sz="2800" dirty="0">
+                <a:solidFill>
+                  <a:schemeClr val="bg1"/>
+                </a:solidFill>
+              </a:rPr>
+              <a:t>flexdashboard</a:t>
+            </a:r>
+          </a:p>
+          <a:p>
+            <a:r>
+              <a:rPr lang="en-US" sz="2800" dirty="0">
+                <a:solidFill>
+                  <a:schemeClr val="bg1"/>
+                </a:solidFill>
+              </a:rPr>
+              <a:t>leaflet</a:t>
+            </a:r>
+          </a:p>
+          <a:p>
+            <a:r>
+              <a:rPr lang="en-US" sz="2800" dirty="0">
+                <a:solidFill>
+                  <a:schemeClr val="bg1"/>
+                </a:solidFill>
+              </a:rPr>
+              <a:t>ggmosaic</a:t>
+            </a:r>
+          </a:p>
+          <a:p>
+            <a:r>
+              <a:rPr lang="en-US" sz="2800" dirty="0">
+                <a:solidFill>
+                  <a:schemeClr val="bg1"/>
+                </a:solidFill>
+              </a:rPr>
+              <a:t>ggplot2</a:t>
+            </a:r>
+          </a:p>
+          <a:p>
+            <a:r>
+              <a:rPr lang="en-US" sz="2800" dirty="0" err="1">
+                <a:solidFill>
+                  <a:schemeClr val="bg1"/>
+                </a:solidFill>
+              </a:rPr>
+              <a:t>datatable</a:t>
+            </a:r>
+            <a:endParaRPr lang="en-US" sz="2800" dirty="0">
+              <a:solidFill>
+                <a:schemeClr val="bg1"/>
+              </a:solidFill>
+            </a:endParaRPr>
+          </a:p>
+          <a:p>
+            <a:endParaRPr lang="en-US" dirty="0">
+              <a:solidFill>
+                <a:schemeClr val="bg1"/>
+              </a:solidFill>
+            </a:endParaRPr>
+          </a:p>
+          <a:p>
+            <a:endParaRPr lang="en-US" dirty="0">
+              <a:solidFill>
+                <a:schemeClr val="bg1"/>
+              </a:solidFill>
+            </a:endParaRPr>
+          </a:p>
+        </p:txBody>
+      </p:sp>
+      <p:sp>
+        <p:nvSpPr>
+          <p:cNvPr id="21" name="TextBox 20">
+            <a:extLst>
+              <a:ext uri="{FF2B5EF4-FFF2-40B4-BE49-F238E27FC236}">
+                <a16:creationId xmlns:a16="http://schemas.microsoft.com/office/drawing/2014/main" id="{C010D3B8-F982-474D-9E8C-382FD0D0C698}"/>
+              </a:ext>
+            </a:extLst>
+          </p:cNvPr>
+          <p:cNvSpPr txBox="1"/>
+          <p:nvPr/>
+        </p:nvSpPr>
+        <p:spPr>
+          <a:xfrm>
+            <a:off x="181988" y="127138"/>
+            <a:ext cx="11828024" cy="1015663"/>
+          </a:xfrm>
+          <a:prstGeom prst="rect">
+            <a:avLst/>
+          </a:prstGeom>
+          <a:noFill/>
+        </p:spPr>
+        <p:txBody>
+          <a:bodyPr wrap="square">
+            <a:spAutoFit/>
+          </a:bodyPr>
+          <a:lstStyle/>
+          <a:p>
+            <a:r>
+              <a:rPr lang="en-US" sz="3000" dirty="0">
+                <a:solidFill>
+                  <a:srgbClr val="FFFFFF"/>
+                </a:solidFill>
+                <a:latin typeface="Trebuchet MS" panose="020B0703020202090204" pitchFamily="34" charset="0"/>
+              </a:rPr>
+              <a:t>Most Enrolled Universities in Colorado</a:t>
+            </a:r>
+            <a:r>
+              <a:rPr lang="en-US" sz="3000" b="0" i="0" u="none" strike="noStrike" dirty="0">
+                <a:solidFill>
+                  <a:srgbClr val="FFFFFF"/>
+                </a:solidFill>
+                <a:effectLst/>
+                <a:latin typeface="Trebuchet MS" panose="020B0703020202090204" pitchFamily="34" charset="0"/>
+              </a:rPr>
+              <a:t>: A glance at </a:t>
+            </a:r>
+            <a:r>
+              <a:rPr lang="en-US" sz="3000" dirty="0">
+                <a:solidFill>
+                  <a:srgbClr val="FFFFFF"/>
+                </a:solidFill>
+                <a:latin typeface="Trebuchet MS" panose="020B0703020202090204" pitchFamily="34" charset="0"/>
+              </a:rPr>
+              <a:t>m</a:t>
+            </a:r>
+            <a:r>
+              <a:rPr lang="en-US" sz="3000" b="0" i="0" u="none" strike="noStrike" dirty="0">
+                <a:solidFill>
+                  <a:srgbClr val="FFFFFF"/>
+                </a:solidFill>
+                <a:effectLst/>
+                <a:latin typeface="Trebuchet MS" panose="020B0703020202090204" pitchFamily="34" charset="0"/>
+              </a:rPr>
+              <a:t>inority enrollment &amp; salary outlook </a:t>
+            </a:r>
+          </a:p>
+        </p:txBody>
+      </p:sp>
+      <p:sp>
+        <p:nvSpPr>
           <p:cNvPr id="23" name="TextBox 22">
             <a:extLst>
               <a:ext uri="{FF2B5EF4-FFF2-40B4-BE49-F238E27FC236}">
@@ -4937,7 +5464,7 @@
           <a:p>
             <a:fld id="{D81FC35F-552F-C744-8838-5C4CD9D879AD}" type="slidenum">
               <a:rPr lang="en-US" smtClean="0"/>
-              <a:t>4</a:t>
+              <a:t>6</a:t>
             </a:fld>
             <a:endParaRPr lang="en-US"/>
           </a:p>
@@ -4947,6 +5474,261 @@
     <p:extLst>
       <p:ext uri="{BB962C8B-B14F-4D97-AF65-F5344CB8AC3E}">
         <p14:creationId xmlns:p14="http://schemas.microsoft.com/office/powerpoint/2010/main" val="1645550315"/>
+      </p:ext>
+    </p:extLst>
+  </p:cSld>
+  <p:clrMapOvr>
+    <a:masterClrMapping/>
+  </p:clrMapOvr>
+</p:sld>
+</file>
+
+<file path=ppt/slides/slide7.xml><?xml version="1.0" encoding="utf-8"?>
+<p:sld xmlns:a="http://schemas.openxmlformats.org/drawingml/2006/main" xmlns:r="http://schemas.openxmlformats.org/officeDocument/2006/relationships" xmlns:p="http://schemas.openxmlformats.org/presentationml/2006/main">
+  <p:cSld>
+    <p:bg>
+      <p:bgPr>
+        <a:solidFill>
+          <a:schemeClr val="tx1"/>
+        </a:solidFill>
+        <a:effectLst/>
+      </p:bgPr>
+    </p:bg>
+    <p:spTree>
+      <p:nvGrpSpPr>
+        <p:cNvPr id="1" name=""/>
+        <p:cNvGrpSpPr/>
+        <p:nvPr/>
+      </p:nvGrpSpPr>
+      <p:grpSpPr>
+        <a:xfrm>
+          <a:off x="0" y="0"/>
+          <a:ext cx="0" cy="0"/>
+          <a:chOff x="0" y="0"/>
+          <a:chExt cx="0" cy="0"/>
+        </a:xfrm>
+      </p:grpSpPr>
+      <p:sp>
+        <p:nvSpPr>
+          <p:cNvPr id="14" name="TextBox 13">
+            <a:extLst>
+              <a:ext uri="{FF2B5EF4-FFF2-40B4-BE49-F238E27FC236}">
+                <a16:creationId xmlns:a16="http://schemas.microsoft.com/office/drawing/2014/main" id="{E9C67258-8D58-6442-BFA7-20628381FAA9}"/>
+              </a:ext>
+            </a:extLst>
+          </p:cNvPr>
+          <p:cNvSpPr txBox="1"/>
+          <p:nvPr/>
+        </p:nvSpPr>
+        <p:spPr>
+          <a:xfrm>
+            <a:off x="181988" y="948689"/>
+            <a:ext cx="4283540" cy="2646878"/>
+          </a:xfrm>
+          <a:prstGeom prst="rect">
+            <a:avLst/>
+          </a:prstGeom>
+          <a:noFill/>
+        </p:spPr>
+        <p:txBody>
+          <a:bodyPr wrap="square" rtlCol="0">
+            <a:spAutoFit/>
+          </a:bodyPr>
+          <a:lstStyle/>
+          <a:p>
+            <a:endParaRPr lang="en-US" dirty="0">
+              <a:solidFill>
+                <a:schemeClr val="bg1"/>
+              </a:solidFill>
+            </a:endParaRPr>
+          </a:p>
+          <a:p>
+            <a:r>
+              <a:rPr lang="en-US" sz="2800" dirty="0">
+                <a:solidFill>
+                  <a:srgbClr val="00FF00"/>
+                </a:solidFill>
+              </a:rPr>
+              <a:t>Interactive map</a:t>
+            </a:r>
+          </a:p>
+          <a:p>
+            <a:r>
+              <a:rPr lang="en-US" sz="2800" dirty="0">
+                <a:solidFill>
+                  <a:srgbClr val="00FF00"/>
+                </a:solidFill>
+              </a:rPr>
+              <a:t>	</a:t>
+            </a:r>
+            <a:r>
+              <a:rPr lang="en-US" sz="2800" dirty="0">
+                <a:solidFill>
+                  <a:schemeClr val="bg1"/>
+                </a:solidFill>
+              </a:rPr>
+              <a:t>- Plotting markers</a:t>
+            </a:r>
+          </a:p>
+          <a:p>
+            <a:r>
+              <a:rPr lang="en-US" sz="2800" dirty="0">
+                <a:solidFill>
+                  <a:schemeClr val="bg1"/>
+                </a:solidFill>
+              </a:rPr>
+              <a:t>	- knitting leaflet</a:t>
+            </a:r>
+          </a:p>
+          <a:p>
+            <a:r>
+              <a:rPr lang="en-US" sz="2800" dirty="0">
+                <a:solidFill>
+                  <a:schemeClr val="bg1"/>
+                </a:solidFill>
+              </a:rPr>
+              <a:t>	- CSU coordinates</a:t>
+            </a:r>
+            <a:endParaRPr lang="en-US" sz="2800" dirty="0">
+              <a:solidFill>
+                <a:srgbClr val="00FF00"/>
+              </a:solidFill>
+            </a:endParaRPr>
+          </a:p>
+          <a:p>
+            <a:endParaRPr lang="en-US" dirty="0">
+              <a:solidFill>
+                <a:schemeClr val="bg1"/>
+              </a:solidFill>
+            </a:endParaRPr>
+          </a:p>
+          <a:p>
+            <a:endParaRPr lang="en-US" dirty="0">
+              <a:solidFill>
+                <a:schemeClr val="bg1"/>
+              </a:solidFill>
+            </a:endParaRPr>
+          </a:p>
+        </p:txBody>
+      </p:sp>
+      <p:sp>
+        <p:nvSpPr>
+          <p:cNvPr id="21" name="TextBox 20">
+            <a:extLst>
+              <a:ext uri="{FF2B5EF4-FFF2-40B4-BE49-F238E27FC236}">
+                <a16:creationId xmlns:a16="http://schemas.microsoft.com/office/drawing/2014/main" id="{C010D3B8-F982-474D-9E8C-382FD0D0C698}"/>
+              </a:ext>
+            </a:extLst>
+          </p:cNvPr>
+          <p:cNvSpPr txBox="1"/>
+          <p:nvPr/>
+        </p:nvSpPr>
+        <p:spPr>
+          <a:xfrm>
+            <a:off x="181988" y="127138"/>
+            <a:ext cx="11828024" cy="553998"/>
+          </a:xfrm>
+          <a:prstGeom prst="rect">
+            <a:avLst/>
+          </a:prstGeom>
+          <a:noFill/>
+        </p:spPr>
+        <p:txBody>
+          <a:bodyPr wrap="square">
+            <a:spAutoFit/>
+          </a:bodyPr>
+          <a:lstStyle/>
+          <a:p>
+            <a:r>
+              <a:rPr lang="en-US" sz="3000" b="0" i="0" u="none" strike="noStrike" dirty="0">
+                <a:solidFill>
+                  <a:srgbClr val="FFFFFF"/>
+                </a:solidFill>
+                <a:effectLst/>
+                <a:latin typeface="Trebuchet MS" panose="020B0703020202090204" pitchFamily="34" charset="0"/>
+              </a:rPr>
+              <a:t>Challenges</a:t>
+            </a:r>
+          </a:p>
+        </p:txBody>
+      </p:sp>
+      <p:sp>
+        <p:nvSpPr>
+          <p:cNvPr id="15" name="Slide Number Placeholder 14">
+            <a:extLst>
+              <a:ext uri="{FF2B5EF4-FFF2-40B4-BE49-F238E27FC236}">
+                <a16:creationId xmlns:a16="http://schemas.microsoft.com/office/drawing/2014/main" id="{0D527CAD-AFB1-704F-B7E5-16BBE72653EC}"/>
+              </a:ext>
+            </a:extLst>
+          </p:cNvPr>
+          <p:cNvSpPr>
+            <a:spLocks noGrp="1"/>
+          </p:cNvSpPr>
+          <p:nvPr>
+            <p:ph type="sldNum" sz="quarter" idx="12"/>
+          </p:nvPr>
+        </p:nvSpPr>
+        <p:spPr/>
+        <p:txBody>
+          <a:bodyPr/>
+          <a:lstStyle/>
+          <a:p>
+            <a:fld id="{D81FC35F-552F-C744-8838-5C4CD9D879AD}" type="slidenum">
+              <a:rPr lang="en-US" smtClean="0"/>
+              <a:t>7</a:t>
+            </a:fld>
+            <a:endParaRPr lang="en-US"/>
+          </a:p>
+        </p:txBody>
+      </p:sp>
+      <p:sp>
+        <p:nvSpPr>
+          <p:cNvPr id="6" name="TextBox 5">
+            <a:extLst>
+              <a:ext uri="{FF2B5EF4-FFF2-40B4-BE49-F238E27FC236}">
+                <a16:creationId xmlns:a16="http://schemas.microsoft.com/office/drawing/2014/main" id="{68A9E93F-B6AF-4542-970B-D246D40C5407}"/>
+              </a:ext>
+            </a:extLst>
+          </p:cNvPr>
+          <p:cNvSpPr txBox="1"/>
+          <p:nvPr/>
+        </p:nvSpPr>
+        <p:spPr>
+          <a:xfrm>
+            <a:off x="7726474" y="1377314"/>
+            <a:ext cx="4283540" cy="523220"/>
+          </a:xfrm>
+          <a:prstGeom prst="rect">
+            <a:avLst/>
+          </a:prstGeom>
+          <a:noFill/>
+        </p:spPr>
+        <p:txBody>
+          <a:bodyPr wrap="square" rtlCol="0">
+            <a:spAutoFit/>
+          </a:bodyPr>
+          <a:lstStyle/>
+          <a:p>
+            <a:r>
+              <a:rPr lang="en-US" sz="2800" dirty="0">
+                <a:solidFill>
+                  <a:schemeClr val="bg1"/>
+                </a:solidFill>
+              </a:rPr>
+              <a:t>Joining the data</a:t>
+            </a:r>
+            <a:endParaRPr lang="en-US" sz="2800" dirty="0">
+              <a:solidFill>
+                <a:srgbClr val="00FF00"/>
+              </a:solidFill>
+            </a:endParaRPr>
+          </a:p>
+        </p:txBody>
+      </p:sp>
+    </p:spTree>
+    <p:extLst>
+      <p:ext uri="{BB962C8B-B14F-4D97-AF65-F5344CB8AC3E}">
+        <p14:creationId xmlns:p14="http://schemas.microsoft.com/office/powerpoint/2010/main" val="1203088642"/>
       </p:ext>
     </p:extLst>
   </p:cSld>

--- a/R_FINAL_PPT.pptx
+++ b/R_FINAL_PPT.pptx
@@ -4086,84 +4086,6 @@
       </p:sp>
       <p:sp>
         <p:nvSpPr>
-          <p:cNvPr id="4" name="Content Placeholder 3">
-            <a:extLst>
-              <a:ext uri="{FF2B5EF4-FFF2-40B4-BE49-F238E27FC236}">
-                <a16:creationId xmlns:a16="http://schemas.microsoft.com/office/drawing/2014/main" id="{632FE083-1EBE-CB4C-B153-070D3C2696DA}"/>
-              </a:ext>
-            </a:extLst>
-          </p:cNvPr>
-          <p:cNvSpPr>
-            <a:spLocks noGrp="1"/>
-          </p:cNvSpPr>
-          <p:nvPr>
-            <p:ph idx="1"/>
-          </p:nvPr>
-        </p:nvSpPr>
-        <p:spPr>
-          <a:xfrm>
-            <a:off x="535780" y="1985963"/>
-            <a:ext cx="10818019" cy="4191000"/>
-          </a:xfrm>
-        </p:spPr>
-        <p:txBody>
-          <a:bodyPr>
-            <a:normAutofit/>
-          </a:bodyPr>
-          <a:lstStyle/>
-          <a:p>
-            <a:pPr marL="0" indent="0">
-              <a:buNone/>
-            </a:pPr>
-            <a:endParaRPr lang="en-US" dirty="0">
-              <a:solidFill>
-                <a:schemeClr val="bg1"/>
-              </a:solidFill>
-            </a:endParaRPr>
-          </a:p>
-          <a:p>
-            <a:pPr marL="0" indent="0">
-              <a:buNone/>
-            </a:pPr>
-            <a:r>
-              <a:rPr lang="en-US" dirty="0">
-                <a:solidFill>
-                  <a:schemeClr val="bg1"/>
-                </a:solidFill>
-              </a:rPr>
-              <a:t>Need a screenshot of </a:t>
-            </a:r>
-            <a:r>
-              <a:rPr lang="en-US" dirty="0" err="1">
-                <a:solidFill>
-                  <a:schemeClr val="bg1"/>
-                </a:solidFill>
-              </a:rPr>
-              <a:t>pablos</a:t>
-            </a:r>
-            <a:r>
-              <a:rPr lang="en-US" dirty="0">
-                <a:solidFill>
-                  <a:schemeClr val="bg1"/>
-                </a:solidFill>
-              </a:rPr>
-              <a:t> computer -&gt;black background</a:t>
-            </a:r>
-          </a:p>
-          <a:p>
-            <a:pPr marL="0" indent="0">
-              <a:buNone/>
-            </a:pPr>
-            <a:endParaRPr lang="en-US" dirty="0">
-              <a:solidFill>
-                <a:schemeClr val="bg1"/>
-              </a:solidFill>
-            </a:endParaRPr>
-          </a:p>
-        </p:txBody>
-      </p:sp>
-      <p:sp>
-        <p:nvSpPr>
           <p:cNvPr id="12" name="Slide Number Placeholder 11">
             <a:extLst>
               <a:ext uri="{FF2B5EF4-FFF2-40B4-BE49-F238E27FC236}">
@@ -4205,7 +4127,7 @@
         </p:nvSpPr>
         <p:spPr>
           <a:xfrm>
-            <a:off x="535781" y="1301234"/>
+            <a:off x="1260995" y="1553483"/>
             <a:ext cx="6100762" cy="461665"/>
           </a:xfrm>
           <a:prstGeom prst="rect">
@@ -4232,6 +4154,36 @@
           </a:p>
         </p:txBody>
       </p:sp>
+      <p:pic>
+        <p:nvPicPr>
+          <p:cNvPr id="3" name="Picture 2" descr="Text&#10;&#10;Description automatically generated">
+            <a:extLst>
+              <a:ext uri="{FF2B5EF4-FFF2-40B4-BE49-F238E27FC236}">
+                <a16:creationId xmlns:a16="http://schemas.microsoft.com/office/drawing/2014/main" id="{7B708401-4E6D-3145-913C-975444CD511D}"/>
+              </a:ext>
+            </a:extLst>
+          </p:cNvPr>
+          <p:cNvPicPr>
+            <a:picLocks noChangeAspect="1"/>
+          </p:cNvPicPr>
+          <p:nvPr/>
+        </p:nvPicPr>
+        <p:blipFill>
+          <a:blip r:embed="rId2"/>
+          <a:stretch>
+            <a:fillRect/>
+          </a:stretch>
+        </p:blipFill>
+        <p:spPr>
+          <a:xfrm>
+            <a:off x="5210922" y="844195"/>
+            <a:ext cx="5614979" cy="5635496"/>
+          </a:xfrm>
+          <a:prstGeom prst="rect">
+            <a:avLst/>
+          </a:prstGeom>
+        </p:spPr>
+      </p:pic>
     </p:spTree>
     <p:extLst>
       <p:ext uri="{BB962C8B-B14F-4D97-AF65-F5344CB8AC3E}">

--- a/R_FINAL_PPT.pptx
+++ b/R_FINAL_PPT.pptx
@@ -5,7 +5,7 @@
     <p:sldMasterId id="2147483648" r:id="rId1"/>
   </p:sldMasterIdLst>
   <p:notesMasterIdLst>
-    <p:notesMasterId r:id="rId9"/>
+    <p:notesMasterId r:id="rId8"/>
   </p:notesMasterIdLst>
   <p:sldIdLst>
     <p:sldId id="262" r:id="rId2"/>
@@ -14,7 +14,6 @@
     <p:sldId id="257" r:id="rId5"/>
     <p:sldId id="259" r:id="rId6"/>
     <p:sldId id="256" r:id="rId7"/>
-    <p:sldId id="263" r:id="rId8"/>
   </p:sldIdLst>
   <p:sldSz cx="12192000" cy="6858000"/>
   <p:notesSz cx="6858000" cy="9144000"/>
@@ -5097,7 +5096,7 @@
         <p:spPr>
           <a:xfrm>
             <a:off x="2779870" y="1194911"/>
-            <a:ext cx="4283540" cy="5663089"/>
+            <a:ext cx="4283540" cy="5232202"/>
           </a:xfrm>
           <a:prstGeom prst="rect">
             <a:avLst/>
@@ -5125,8 +5124,6 @@
               </a:rPr>
               <a:t>Dataset Used</a:t>
             </a:r>
-          </a:p>
-          <a:p>
             <a:endParaRPr lang="en-US" sz="2800" dirty="0">
               <a:solidFill>
                 <a:schemeClr val="bg1"/>
@@ -5202,18 +5199,13 @@
           </a:p>
           <a:p>
             <a:r>
-              <a:rPr lang="en-US" sz="2800" dirty="0" err="1">
+              <a:rPr lang="en-US" sz="2800" dirty="0">
                 <a:solidFill>
                   <a:schemeClr val="bg1"/>
                 </a:solidFill>
               </a:rPr>
               <a:t>datatable</a:t>
             </a:r>
-            <a:endParaRPr lang="en-US" sz="2800" dirty="0">
-              <a:solidFill>
-                <a:schemeClr val="bg1"/>
-              </a:solidFill>
-            </a:endParaRPr>
           </a:p>
           <a:p>
             <a:endParaRPr lang="en-US" dirty="0">
@@ -5343,8 +5335,6 @@
               </a:rPr>
               <a:t>Lessons Learned</a:t>
             </a:r>
-          </a:p>
-          <a:p>
             <a:endParaRPr lang="en-US" sz="2800" dirty="0">
               <a:solidFill>
                 <a:schemeClr val="bg1"/>
@@ -5391,6 +5381,16 @@
               <a:t>Burn it down</a:t>
             </a:r>
           </a:p>
+          <a:p>
+            <a:r>
+              <a:rPr lang="en-US" sz="2800" dirty="0">
+                <a:solidFill>
+                  <a:schemeClr val="bg1"/>
+                </a:solidFill>
+              </a:rPr>
+              <a:t>Joining data</a:t>
+            </a:r>
+          </a:p>
         </p:txBody>
       </p:sp>
       <p:sp>
@@ -5422,50 +5422,12 @@
           </a:p>
         </p:txBody>
       </p:sp>
-    </p:spTree>
-    <p:extLst>
-      <p:ext uri="{BB962C8B-B14F-4D97-AF65-F5344CB8AC3E}">
-        <p14:creationId xmlns:p14="http://schemas.microsoft.com/office/powerpoint/2010/main" val="1645550315"/>
-      </p:ext>
-    </p:extLst>
-  </p:cSld>
-  <p:clrMapOvr>
-    <a:masterClrMapping/>
-  </p:clrMapOvr>
-</p:sld>
-</file>
-
-<file path=ppt/slides/slide7.xml><?xml version="1.0" encoding="utf-8"?>
-<p:sld xmlns:a="http://schemas.openxmlformats.org/drawingml/2006/main" xmlns:r="http://schemas.openxmlformats.org/officeDocument/2006/relationships" xmlns:p="http://schemas.openxmlformats.org/presentationml/2006/main">
-  <p:cSld>
-    <p:bg>
-      <p:bgPr>
-        <a:solidFill>
-          <a:schemeClr val="tx1"/>
-        </a:solidFill>
-        <a:effectLst/>
-      </p:bgPr>
-    </p:bg>
-    <p:spTree>
-      <p:nvGrpSpPr>
-        <p:cNvPr id="1" name=""/>
-        <p:cNvGrpSpPr/>
-        <p:nvPr/>
-      </p:nvGrpSpPr>
-      <p:grpSpPr>
-        <a:xfrm>
-          <a:off x="0" y="0"/>
-          <a:ext cx="0" cy="0"/>
-          <a:chOff x="0" y="0"/>
-          <a:chExt cx="0" cy="0"/>
-        </a:xfrm>
-      </p:grpSpPr>
-      <p:sp>
-        <p:nvSpPr>
-          <p:cNvPr id="14" name="TextBox 13">
-            <a:extLst>
-              <a:ext uri="{FF2B5EF4-FFF2-40B4-BE49-F238E27FC236}">
-                <a16:creationId xmlns:a16="http://schemas.microsoft.com/office/drawing/2014/main" id="{E9C67258-8D58-6442-BFA7-20628381FAA9}"/>
+      <p:sp>
+        <p:nvSpPr>
+          <p:cNvPr id="7" name="TextBox 6">
+            <a:extLst>
+              <a:ext uri="{FF2B5EF4-FFF2-40B4-BE49-F238E27FC236}">
+                <a16:creationId xmlns:a16="http://schemas.microsoft.com/office/drawing/2014/main" id="{B51B5387-F759-C849-B4F6-D72593FF55B2}"/>
               </a:ext>
             </a:extLst>
           </p:cNvPr>
@@ -5474,8 +5436,8 @@
         </p:nvSpPr>
         <p:spPr>
           <a:xfrm>
-            <a:off x="181988" y="948689"/>
-            <a:ext cx="4283540" cy="2646878"/>
+            <a:off x="7063410" y="4283461"/>
+            <a:ext cx="6096000" cy="1815882"/>
           </a:xfrm>
           <a:prstGeom prst="rect">
             <a:avLst/>
@@ -5483,12 +5445,20 @@
           <a:noFill/>
         </p:spPr>
         <p:txBody>
-          <a:bodyPr wrap="square" rtlCol="0">
+          <a:bodyPr wrap="square">
             <a:spAutoFit/>
           </a:bodyPr>
           <a:lstStyle/>
           <a:p>
-            <a:endParaRPr lang="en-US" dirty="0">
+            <a:r>
+              <a:rPr lang="en-US" sz="2800" dirty="0">
+                <a:solidFill>
+                  <a:srgbClr val="00FF00"/>
+                </a:solidFill>
+              </a:rPr>
+              <a:t>Interactive map</a:t>
+            </a:r>
+            <a:endParaRPr lang="en-US" sz="2800" dirty="0">
               <a:solidFill>
                 <a:schemeClr val="bg1"/>
               </a:solidFill>
@@ -5498,48 +5468,30 @@
             <a:r>
               <a:rPr lang="en-US" sz="2800" dirty="0">
                 <a:solidFill>
-                  <a:srgbClr val="00FF00"/>
+                  <a:schemeClr val="bg1"/>
                 </a:solidFill>
               </a:rPr>
-              <a:t>Interactive map</a:t>
+              <a:t>Plotting markers</a:t>
             </a:r>
           </a:p>
           <a:p>
             <a:r>
               <a:rPr lang="en-US" sz="2800" dirty="0">
                 <a:solidFill>
-                  <a:srgbClr val="00FF00"/>
+                  <a:schemeClr val="bg1"/>
                 </a:solidFill>
               </a:rPr>
-              <a:t>	</a:t>
-            </a:r>
+              <a:t>Knitting leaflet</a:t>
+            </a:r>
+          </a:p>
+          <a:p>
             <a:r>
               <a:rPr lang="en-US" sz="2800" dirty="0">
                 <a:solidFill>
                   <a:schemeClr val="bg1"/>
                 </a:solidFill>
               </a:rPr>
-              <a:t>- Plotting markers</a:t>
-            </a:r>
-          </a:p>
-          <a:p>
-            <a:r>
-              <a:rPr lang="en-US" sz="2800" dirty="0">
-                <a:solidFill>
-                  <a:schemeClr val="bg1"/>
-                </a:solidFill>
-              </a:rPr>
-              <a:t>	- knitting leaflet</a:t>
-            </a:r>
-          </a:p>
-          <a:p>
-            <a:r>
-              <a:rPr lang="en-US" sz="2800" dirty="0">
-                <a:solidFill>
-                  <a:schemeClr val="bg1"/>
-                </a:solidFill>
-              </a:rPr>
-              <a:t>	- CSU coordinates</a:t>
+              <a:t>CSU coordinates</a:t>
             </a:r>
             <a:endParaRPr lang="en-US" sz="2800" dirty="0">
               <a:solidFill>
@@ -5547,140 +5499,12 @@
               </a:solidFill>
             </a:endParaRPr>
           </a:p>
-          <a:p>
-            <a:endParaRPr lang="en-US" dirty="0">
-              <a:solidFill>
-                <a:schemeClr val="bg1"/>
-              </a:solidFill>
-            </a:endParaRPr>
-          </a:p>
-          <a:p>
-            <a:endParaRPr lang="en-US" dirty="0">
-              <a:solidFill>
-                <a:schemeClr val="bg1"/>
-              </a:solidFill>
-            </a:endParaRPr>
-          </a:p>
-        </p:txBody>
-      </p:sp>
-      <p:sp>
-        <p:nvSpPr>
-          <p:cNvPr id="21" name="TextBox 20">
-            <a:extLst>
-              <a:ext uri="{FF2B5EF4-FFF2-40B4-BE49-F238E27FC236}">
-                <a16:creationId xmlns:a16="http://schemas.microsoft.com/office/drawing/2014/main" id="{C010D3B8-F982-474D-9E8C-382FD0D0C698}"/>
-              </a:ext>
-            </a:extLst>
-          </p:cNvPr>
-          <p:cNvSpPr txBox="1"/>
-          <p:nvPr/>
-        </p:nvSpPr>
-        <p:spPr>
-          <a:xfrm>
-            <a:off x="181988" y="127138"/>
-            <a:ext cx="11828024" cy="553998"/>
-          </a:xfrm>
-          <a:prstGeom prst="rect">
-            <a:avLst/>
-          </a:prstGeom>
-          <a:noFill/>
-        </p:spPr>
-        <p:txBody>
-          <a:bodyPr wrap="square">
-            <a:spAutoFit/>
-          </a:bodyPr>
-          <a:lstStyle/>
-          <a:p>
-            <a:r>
-              <a:rPr lang="en-US" sz="3000" b="0" i="0" u="none" strike="noStrike" dirty="0">
-                <a:solidFill>
-                  <a:srgbClr val="FFFFFF"/>
-                </a:solidFill>
-                <a:effectLst/>
-                <a:latin typeface="Trebuchet MS" panose="020B0703020202090204" pitchFamily="34" charset="0"/>
-              </a:rPr>
-              <a:t>Challenges</a:t>
-            </a:r>
-          </a:p>
-        </p:txBody>
-      </p:sp>
-      <p:sp>
-        <p:nvSpPr>
-          <p:cNvPr id="15" name="Slide Number Placeholder 14">
-            <a:extLst>
-              <a:ext uri="{FF2B5EF4-FFF2-40B4-BE49-F238E27FC236}">
-                <a16:creationId xmlns:a16="http://schemas.microsoft.com/office/drawing/2014/main" id="{0D527CAD-AFB1-704F-B7E5-16BBE72653EC}"/>
-              </a:ext>
-            </a:extLst>
-          </p:cNvPr>
-          <p:cNvSpPr>
-            <a:spLocks noGrp="1"/>
-          </p:cNvSpPr>
-          <p:nvPr>
-            <p:ph type="sldNum" sz="quarter" idx="12"/>
-          </p:nvPr>
-        </p:nvSpPr>
-        <p:spPr/>
-        <p:txBody>
-          <a:bodyPr/>
-          <a:lstStyle/>
-          <a:p>
-            <a:fld id="{D81FC35F-552F-C744-8838-5C4CD9D879AD}" type="slidenum">
-              <a:rPr lang="en-US" smtClean="0"/>
-              <a:t>7</a:t>
-            </a:fld>
-            <a:endParaRPr lang="en-US"/>
-          </a:p>
-        </p:txBody>
-      </p:sp>
-      <p:sp>
-        <p:nvSpPr>
-          <p:cNvPr id="6" name="TextBox 5">
-            <a:extLst>
-              <a:ext uri="{FF2B5EF4-FFF2-40B4-BE49-F238E27FC236}">
-                <a16:creationId xmlns:a16="http://schemas.microsoft.com/office/drawing/2014/main" id="{68A9E93F-B6AF-4542-970B-D246D40C5407}"/>
-              </a:ext>
-            </a:extLst>
-          </p:cNvPr>
-          <p:cNvSpPr txBox="1"/>
-          <p:nvPr/>
-        </p:nvSpPr>
-        <p:spPr>
-          <a:xfrm>
-            <a:off x="7726474" y="1377314"/>
-            <a:ext cx="4283540" cy="523220"/>
-          </a:xfrm>
-          <a:prstGeom prst="rect">
-            <a:avLst/>
-          </a:prstGeom>
-          <a:noFill/>
-        </p:spPr>
-        <p:txBody>
-          <a:bodyPr wrap="square" rtlCol="0">
-            <a:spAutoFit/>
-          </a:bodyPr>
-          <a:lstStyle/>
-          <a:p>
-            <a:r>
-              <a:rPr lang="en-US" sz="2800" dirty="0">
-                <a:solidFill>
-                  <a:schemeClr val="bg1"/>
-                </a:solidFill>
-              </a:rPr>
-              <a:t>Joining the data</a:t>
-            </a:r>
-            <a:endParaRPr lang="en-US" sz="2800" dirty="0">
-              <a:solidFill>
-                <a:srgbClr val="00FF00"/>
-              </a:solidFill>
-            </a:endParaRPr>
-          </a:p>
         </p:txBody>
       </p:sp>
     </p:spTree>
     <p:extLst>
       <p:ext uri="{BB962C8B-B14F-4D97-AF65-F5344CB8AC3E}">
-        <p14:creationId xmlns:p14="http://schemas.microsoft.com/office/powerpoint/2010/main" val="1203088642"/>
+        <p14:creationId xmlns:p14="http://schemas.microsoft.com/office/powerpoint/2010/main" val="1645550315"/>
       </p:ext>
     </p:extLst>
   </p:cSld>

--- a/R_FINAL_PPT.pptx
+++ b/R_FINAL_PPT.pptx
@@ -4029,7 +4029,7 @@
         <p:spPr>
           <a:xfrm>
             <a:off x="181988" y="127138"/>
-            <a:ext cx="11828024" cy="1015663"/>
+            <a:ext cx="11828024" cy="1508105"/>
           </a:xfrm>
           <a:prstGeom prst="rect">
             <a:avLst/>
@@ -4080,6 +4080,33 @@
               </a:rPr>
               <a:t>inority enrollment &amp; salary outlook </a:t>
             </a:r>
+            <a:r>
+              <a:rPr lang="en-US" sz="3000" dirty="0">
+                <a:solidFill>
+                  <a:srgbClr val="FFFFFF"/>
+                </a:solidFill>
+                <a:latin typeface="Trebuchet MS" panose="020B0703020202090204" pitchFamily="34" charset="0"/>
+              </a:rPr>
+              <a:t>: </a:t>
+            </a:r>
+            <a:r>
+              <a:rPr lang="en-US" sz="3200" dirty="0">
+                <a:solidFill>
+                  <a:srgbClr val="00FF00"/>
+                </a:solidFill>
+                <a:latin typeface="Trebuchet MS" panose="020B0703020202090204" pitchFamily="34" charset="0"/>
+              </a:rPr>
+              <a:t>Cleaning the data</a:t>
+            </a:r>
+          </a:p>
+          <a:p>
+            <a:endParaRPr lang="en-US" sz="3000" b="0" i="0" u="none" strike="noStrike" dirty="0">
+              <a:solidFill>
+                <a:srgbClr val="FFFFFF"/>
+              </a:solidFill>
+              <a:effectLst/>
+              <a:latin typeface="Trebuchet MS" panose="020B0703020202090204" pitchFamily="34" charset="0"/>
+            </a:endParaRPr>
           </a:p>
         </p:txBody>
       </p:sp>
@@ -4109,47 +4136,6 @@
               <a:t>2</a:t>
             </a:fld>
             <a:endParaRPr lang="en-US"/>
-          </a:p>
-        </p:txBody>
-      </p:sp>
-      <p:sp>
-        <p:nvSpPr>
-          <p:cNvPr id="15" name="TextBox 14">
-            <a:extLst>
-              <a:ext uri="{FF2B5EF4-FFF2-40B4-BE49-F238E27FC236}">
-                <a16:creationId xmlns:a16="http://schemas.microsoft.com/office/drawing/2014/main" id="{A5BA6AA6-6379-C14C-9614-16A419991765}"/>
-              </a:ext>
-            </a:extLst>
-          </p:cNvPr>
-          <p:cNvSpPr txBox="1"/>
-          <p:nvPr/>
-        </p:nvSpPr>
-        <p:spPr>
-          <a:xfrm>
-            <a:off x="1260995" y="1553483"/>
-            <a:ext cx="6100762" cy="461665"/>
-          </a:xfrm>
-          <a:prstGeom prst="rect">
-            <a:avLst/>
-          </a:prstGeom>
-          <a:noFill/>
-        </p:spPr>
-        <p:txBody>
-          <a:bodyPr wrap="square">
-            <a:spAutoFit/>
-          </a:bodyPr>
-          <a:lstStyle/>
-          <a:p>
-            <a:pPr rtl="0"/>
-            <a:r>
-              <a:rPr lang="en-US" sz="2400" b="0" i="0" u="none" strike="noStrike" kern="1200" baseline="0" dirty="0">
-                <a:solidFill>
-                  <a:srgbClr val="00FF00"/>
-                </a:solidFill>
-                <a:latin typeface="Trebuchet MS" panose="020B0703020202090204" pitchFamily="34" charset="0"/>
-              </a:rPr>
-              <a:t>Cleaning the data</a:t>
-            </a:r>
           </a:p>
         </p:txBody>
       </p:sp>
@@ -4175,8 +4161,8 @@
         </p:blipFill>
         <p:spPr>
           <a:xfrm>
-            <a:off x="5210922" y="844195"/>
-            <a:ext cx="5614979" cy="5635496"/>
+            <a:off x="2910150" y="1159309"/>
+            <a:ext cx="5700450" cy="5672975"/>
           </a:xfrm>
           <a:prstGeom prst="rect">
             <a:avLst/>

--- a/R_FINAL_PPT.pptx
+++ b/R_FINAL_PPT.pptx
@@ -10,7 +10,7 @@
   <p:sldIdLst>
     <p:sldId id="262" r:id="rId2"/>
     <p:sldId id="258" r:id="rId3"/>
-    <p:sldId id="261" r:id="rId4"/>
+    <p:sldId id="263" r:id="rId4"/>
     <p:sldId id="257" r:id="rId5"/>
     <p:sldId id="259" r:id="rId6"/>
     <p:sldId id="256" r:id="rId7"/>
@@ -3953,25 +3953,7 @@
                 </a:solidFill>
                 <a:effectLst/>
               </a:rPr>
-              <a:t>Kiara Hodo, Pablo Maldonado &amp; </a:t>
-            </a:r>
-            <a:r>
-              <a:rPr lang="en-US" sz="2000" b="0" i="0" u="none" strike="noStrike" dirty="0" err="1">
-                <a:solidFill>
-                  <a:srgbClr val="00FF00"/>
-                </a:solidFill>
-                <a:effectLst/>
-              </a:rPr>
-              <a:t>Naly</a:t>
-            </a:r>
-            <a:r>
-              <a:rPr lang="en-US" sz="2000" b="0" i="0" u="none" strike="noStrike" dirty="0">
-                <a:solidFill>
-                  <a:srgbClr val="00FF00"/>
-                </a:solidFill>
-                <a:effectLst/>
-              </a:rPr>
-              <a:t> Torres</a:t>
+              <a:t>Kiara Hodo, Pablo Maldonado &amp; Naly Torres</a:t>
             </a:r>
           </a:p>
         </p:txBody>
@@ -4029,7 +4011,7 @@
         <p:spPr>
           <a:xfrm>
             <a:off x="181988" y="127138"/>
-            <a:ext cx="11828024" cy="1508105"/>
+            <a:ext cx="11828024" cy="1015663"/>
           </a:xfrm>
           <a:prstGeom prst="rect">
             <a:avLst/>
@@ -4080,33 +4062,6 @@
               </a:rPr>
               <a:t>inority enrollment &amp; salary outlook </a:t>
             </a:r>
-            <a:r>
-              <a:rPr lang="en-US" sz="3000" dirty="0">
-                <a:solidFill>
-                  <a:srgbClr val="FFFFFF"/>
-                </a:solidFill>
-                <a:latin typeface="Trebuchet MS" panose="020B0703020202090204" pitchFamily="34" charset="0"/>
-              </a:rPr>
-              <a:t>: </a:t>
-            </a:r>
-            <a:r>
-              <a:rPr lang="en-US" sz="3200" dirty="0">
-                <a:solidFill>
-                  <a:srgbClr val="00FF00"/>
-                </a:solidFill>
-                <a:latin typeface="Trebuchet MS" panose="020B0703020202090204" pitchFamily="34" charset="0"/>
-              </a:rPr>
-              <a:t>Cleaning the data</a:t>
-            </a:r>
-          </a:p>
-          <a:p>
-            <a:endParaRPr lang="en-US" sz="3000" b="0" i="0" u="none" strike="noStrike" dirty="0">
-              <a:solidFill>
-                <a:srgbClr val="FFFFFF"/>
-              </a:solidFill>
-              <a:effectLst/>
-              <a:latin typeface="Trebuchet MS" panose="020B0703020202090204" pitchFamily="34" charset="0"/>
-            </a:endParaRPr>
           </a:p>
         </p:txBody>
       </p:sp>
@@ -4161,14 +4116,55 @@
         </p:blipFill>
         <p:spPr>
           <a:xfrm>
-            <a:off x="2910150" y="1159309"/>
-            <a:ext cx="5700450" cy="5672975"/>
+            <a:off x="3839323" y="1214851"/>
+            <a:ext cx="5304678" cy="5324061"/>
           </a:xfrm>
           <a:prstGeom prst="rect">
             <a:avLst/>
           </a:prstGeom>
         </p:spPr>
       </p:pic>
+      <p:sp>
+        <p:nvSpPr>
+          <p:cNvPr id="6" name="TextBox 5">
+            <a:extLst>
+              <a:ext uri="{FF2B5EF4-FFF2-40B4-BE49-F238E27FC236}">
+                <a16:creationId xmlns:a16="http://schemas.microsoft.com/office/drawing/2014/main" id="{064258AE-D49B-D04D-A6CD-60FC8E5C08F4}"/>
+              </a:ext>
+            </a:extLst>
+          </p:cNvPr>
+          <p:cNvSpPr txBox="1"/>
+          <p:nvPr/>
+        </p:nvSpPr>
+        <p:spPr>
+          <a:xfrm>
+            <a:off x="569017" y="2801515"/>
+            <a:ext cx="6100762" cy="461665"/>
+          </a:xfrm>
+          <a:prstGeom prst="rect">
+            <a:avLst/>
+          </a:prstGeom>
+          <a:noFill/>
+        </p:spPr>
+        <p:txBody>
+          <a:bodyPr wrap="square">
+            <a:spAutoFit/>
+          </a:bodyPr>
+          <a:lstStyle/>
+          <a:p>
+            <a:pPr rtl="0"/>
+            <a:r>
+              <a:rPr lang="en-US" sz="2400" b="0" i="0" u="none" strike="noStrike" kern="1200" baseline="0" dirty="0">
+                <a:solidFill>
+                  <a:srgbClr val="00FF00"/>
+                </a:solidFill>
+                <a:latin typeface="Trebuchet MS" panose="020B0703020202090204" pitchFamily="34" charset="0"/>
+              </a:rPr>
+              <a:t>Cleaning the data</a:t>
+            </a:r>
+          </a:p>
+        </p:txBody>
+      </p:sp>
     </p:spTree>
     <p:extLst>
       <p:ext uri="{BB962C8B-B14F-4D97-AF65-F5344CB8AC3E}">
@@ -4209,95 +4205,6 @@
       </p:grpSpPr>
       <p:sp>
         <p:nvSpPr>
-          <p:cNvPr id="7" name="TextBox 6">
-            <a:extLst>
-              <a:ext uri="{FF2B5EF4-FFF2-40B4-BE49-F238E27FC236}">
-                <a16:creationId xmlns:a16="http://schemas.microsoft.com/office/drawing/2014/main" id="{3A1B497A-B3CE-8E45-B45E-CA2F731023E0}"/>
-              </a:ext>
-            </a:extLst>
-          </p:cNvPr>
-          <p:cNvSpPr txBox="1"/>
-          <p:nvPr/>
-        </p:nvSpPr>
-        <p:spPr>
-          <a:xfrm>
-            <a:off x="181988" y="1200618"/>
-            <a:ext cx="10038972" cy="461665"/>
-          </a:xfrm>
-          <a:prstGeom prst="rect">
-            <a:avLst/>
-          </a:prstGeom>
-          <a:noFill/>
-        </p:spPr>
-        <p:txBody>
-          <a:bodyPr wrap="square">
-            <a:spAutoFit/>
-          </a:bodyPr>
-          <a:lstStyle/>
-          <a:p>
-            <a:r>
-              <a:rPr lang="en-US" sz="2400" b="0" i="0" u="none" strike="noStrike" dirty="0">
-                <a:solidFill>
-                  <a:srgbClr val="00FF00"/>
-                </a:solidFill>
-                <a:effectLst/>
-                <a:latin typeface="Trebuchet MS" panose="020B0703020202090204" pitchFamily="34" charset="0"/>
-              </a:rPr>
-              <a:t>Minorit</a:t>
-            </a:r>
-            <a:r>
-              <a:rPr lang="en-US" sz="2400" dirty="0">
-                <a:solidFill>
-                  <a:srgbClr val="00FF00"/>
-                </a:solidFill>
-                <a:latin typeface="Trebuchet MS" panose="020B0703020202090204" pitchFamily="34" charset="0"/>
-              </a:rPr>
-              <a:t>y Enrollment Numbers: Interactive Map</a:t>
-            </a:r>
-            <a:endParaRPr lang="en-US" sz="2400" b="0" i="0" u="none" strike="noStrike" dirty="0">
-              <a:solidFill>
-                <a:srgbClr val="00FF00"/>
-              </a:solidFill>
-              <a:effectLst/>
-              <a:latin typeface="Trebuchet MS" panose="020B0703020202090204" pitchFamily="34" charset="0"/>
-            </a:endParaRPr>
-          </a:p>
-        </p:txBody>
-      </p:sp>
-      <p:pic>
-        <p:nvPicPr>
-          <p:cNvPr id="8" name="Picture 7" descr="Text&#10;&#10;Description automatically generated">
-            <a:extLst>
-              <a:ext uri="{FF2B5EF4-FFF2-40B4-BE49-F238E27FC236}">
-                <a16:creationId xmlns:a16="http://schemas.microsoft.com/office/drawing/2014/main" id="{3375DFCF-2CA5-414C-B230-615F68E570A0}"/>
-              </a:ext>
-            </a:extLst>
-          </p:cNvPr>
-          <p:cNvPicPr>
-            <a:picLocks noChangeAspect="1"/>
-          </p:cNvPicPr>
-          <p:nvPr/>
-        </p:nvPicPr>
-        <p:blipFill rotWithShape="1">
-          <a:blip r:embed="rId2"/>
-          <a:srcRect t="2030"/>
-          <a:stretch/>
-        </p:blipFill>
-        <p:spPr>
-          <a:xfrm>
-            <a:off x="296546" y="1739998"/>
-            <a:ext cx="6993321" cy="4798914"/>
-          </a:xfrm>
-          <a:prstGeom prst="rect">
-            <a:avLst/>
-          </a:prstGeom>
-          <a:effectLst>
-            <a:softEdge rad="50800"/>
-          </a:effectLst>
-        </p:spPr>
-      </p:pic>
-      <p:sp>
-        <p:nvSpPr>
           <p:cNvPr id="11" name="TextBox 10">
             <a:extLst>
               <a:ext uri="{FF2B5EF4-FFF2-40B4-BE49-F238E27FC236}">
@@ -4396,10 +4303,10 @@
       </p:sp>
       <p:pic>
         <p:nvPicPr>
-          <p:cNvPr id="2" name="Picture 1">
-            <a:extLst>
-              <a:ext uri="{FF2B5EF4-FFF2-40B4-BE49-F238E27FC236}">
-                <a16:creationId xmlns:a16="http://schemas.microsoft.com/office/drawing/2014/main" id="{922368F0-C572-D340-81F6-FE4DCD6A7AF8}"/>
+          <p:cNvPr id="4" name="Picture 3" descr="Map&#10;&#10;Description automatically generated">
+            <a:extLst>
+              <a:ext uri="{FF2B5EF4-FFF2-40B4-BE49-F238E27FC236}">
+                <a16:creationId xmlns:a16="http://schemas.microsoft.com/office/drawing/2014/main" id="{99959DEA-DEA2-9644-83D8-75926DEC4FED}"/>
               </a:ext>
             </a:extLst>
           </p:cNvPr>
@@ -4408,28 +4315,119 @@
           </p:cNvPicPr>
           <p:nvPr/>
         </p:nvPicPr>
-        <p:blipFill rotWithShape="1">
-          <a:blip r:embed="rId3"/>
-          <a:srcRect l="28189" t="7995" r="14223" b="5691"/>
-          <a:stretch/>
+        <p:blipFill>
+          <a:blip r:embed="rId2"/>
+          <a:stretch>
+            <a:fillRect/>
+          </a:stretch>
         </p:blipFill>
         <p:spPr>
           <a:xfrm>
-            <a:off x="7359608" y="1739998"/>
-            <a:ext cx="4650404" cy="4694067"/>
+            <a:off x="6878322" y="1031776"/>
+            <a:ext cx="3835400" cy="5435600"/>
           </a:xfrm>
           <a:prstGeom prst="rect">
             <a:avLst/>
           </a:prstGeom>
           <a:effectLst>
-            <a:softEdge rad="183201"/>
+            <a:softEdge rad="50800"/>
           </a:effectLst>
         </p:spPr>
       </p:pic>
+      <p:pic>
+        <p:nvPicPr>
+          <p:cNvPr id="6" name="Picture 5" descr="Text&#10;&#10;Description automatically generated">
+            <a:extLst>
+              <a:ext uri="{FF2B5EF4-FFF2-40B4-BE49-F238E27FC236}">
+                <a16:creationId xmlns:a16="http://schemas.microsoft.com/office/drawing/2014/main" id="{067569E1-EEC4-B54B-9AAF-19B4FCA0B40D}"/>
+              </a:ext>
+            </a:extLst>
+          </p:cNvPr>
+          <p:cNvPicPr>
+            <a:picLocks noChangeAspect="1"/>
+          </p:cNvPicPr>
+          <p:nvPr/>
+        </p:nvPicPr>
+        <p:blipFill>
+          <a:blip r:embed="rId3"/>
+          <a:stretch>
+            <a:fillRect/>
+          </a:stretch>
+        </p:blipFill>
+        <p:spPr>
+          <a:xfrm>
+            <a:off x="571055" y="1831875"/>
+            <a:ext cx="5918200" cy="3835400"/>
+          </a:xfrm>
+          <a:prstGeom prst="rect">
+            <a:avLst/>
+          </a:prstGeom>
+          <a:effectLst>
+            <a:softEdge rad="50800"/>
+          </a:effectLst>
+        </p:spPr>
+      </p:pic>
+      <p:sp>
+        <p:nvSpPr>
+          <p:cNvPr id="10" name="TextBox 9">
+            <a:extLst>
+              <a:ext uri="{FF2B5EF4-FFF2-40B4-BE49-F238E27FC236}">
+                <a16:creationId xmlns:a16="http://schemas.microsoft.com/office/drawing/2014/main" id="{C2115F47-C945-5B46-912E-D0B20C38305A}"/>
+              </a:ext>
+            </a:extLst>
+          </p:cNvPr>
+          <p:cNvSpPr txBox="1"/>
+          <p:nvPr/>
+        </p:nvSpPr>
+        <p:spPr>
+          <a:xfrm>
+            <a:off x="181988" y="1061467"/>
+            <a:ext cx="10038972" cy="461665"/>
+          </a:xfrm>
+          <a:prstGeom prst="rect">
+            <a:avLst/>
+          </a:prstGeom>
+          <a:noFill/>
+        </p:spPr>
+        <p:txBody>
+          <a:bodyPr wrap="square">
+            <a:spAutoFit/>
+          </a:bodyPr>
+          <a:lstStyle/>
+          <a:p>
+            <a:r>
+              <a:rPr lang="en-US" sz="2400" b="0" i="0" u="none" strike="noStrike" dirty="0">
+                <a:solidFill>
+                  <a:srgbClr val="00FF00"/>
+                </a:solidFill>
+                <a:effectLst/>
+                <a:latin typeface="Trebuchet MS" panose="020B0703020202090204" pitchFamily="34" charset="0"/>
+              </a:rPr>
+              <a:t>Minorit</a:t>
+            </a:r>
+            <a:r>
+              <a:rPr lang="en-US" sz="2400" dirty="0">
+                <a:solidFill>
+                  <a:srgbClr val="00FF00"/>
+                </a:solidFill>
+                <a:latin typeface="Trebuchet MS" panose="020B0703020202090204" pitchFamily="34" charset="0"/>
+              </a:rPr>
+              <a:t>y Enrollment Numbers: Interactive Map</a:t>
+            </a:r>
+            <a:endParaRPr lang="en-US" sz="2400" b="0" i="0" u="none" strike="noStrike" dirty="0">
+              <a:solidFill>
+                <a:srgbClr val="00FF00"/>
+              </a:solidFill>
+              <a:effectLst/>
+              <a:latin typeface="Trebuchet MS" panose="020B0703020202090204" pitchFamily="34" charset="0"/>
+            </a:endParaRPr>
+          </a:p>
+        </p:txBody>
+      </p:sp>
     </p:spTree>
     <p:extLst>
       <p:ext uri="{BB962C8B-B14F-4D97-AF65-F5344CB8AC3E}">
-        <p14:creationId xmlns:p14="http://schemas.microsoft.com/office/powerpoint/2010/main" val="3648498573"/>
+        <p14:creationId xmlns:p14="http://schemas.microsoft.com/office/powerpoint/2010/main" val="4137520356"/>
       </p:ext>
     </p:extLst>
   </p:cSld>

--- a/R_FINAL_PPT.pptx
+++ b/R_FINAL_PPT.pptx
@@ -3861,35 +3861,6 @@
       </p:sp>
       <p:pic>
         <p:nvPicPr>
-          <p:cNvPr id="3" name="Picture 2">
-            <a:extLst>
-              <a:ext uri="{FF2B5EF4-FFF2-40B4-BE49-F238E27FC236}">
-                <a16:creationId xmlns:a16="http://schemas.microsoft.com/office/drawing/2014/main" id="{96E24A16-D7B9-F24E-90F3-4541D09A2D3F}"/>
-              </a:ext>
-            </a:extLst>
-          </p:cNvPr>
-          <p:cNvPicPr>
-            <a:picLocks noChangeAspect="1"/>
-          </p:cNvPicPr>
-          <p:nvPr/>
-        </p:nvPicPr>
-        <p:blipFill rotWithShape="1">
-          <a:blip r:embed="rId2"/>
-          <a:srcRect l="64142" t="12544" r="2280" b="3707"/>
-          <a:stretch/>
-        </p:blipFill>
-        <p:spPr>
-          <a:xfrm>
-            <a:off x="757237" y="3246674"/>
-            <a:ext cx="2496932" cy="2435225"/>
-          </a:xfrm>
-          <a:prstGeom prst="rect">
-            <a:avLst/>
-          </a:prstGeom>
-        </p:spPr>
-      </p:pic>
-      <p:pic>
-        <p:nvPicPr>
           <p:cNvPr id="14" name="Picture 13">
             <a:extLst>
               <a:ext uri="{FF2B5EF4-FFF2-40B4-BE49-F238E27FC236}">
@@ -3903,15 +3874,15 @@
           <p:nvPr/>
         </p:nvPicPr>
         <p:blipFill>
-          <a:blip r:embed="rId3"/>
+          <a:blip r:embed="rId2"/>
           <a:stretch>
             <a:fillRect/>
           </a:stretch>
         </p:blipFill>
         <p:spPr>
           <a:xfrm>
-            <a:off x="4443413" y="1817281"/>
-            <a:ext cx="7513225" cy="4904194"/>
+            <a:off x="5742808" y="1984173"/>
+            <a:ext cx="6150768" cy="4014862"/>
           </a:xfrm>
           <a:prstGeom prst="rect">
             <a:avLst/>
@@ -3958,6 +3929,38 @@
           </a:p>
         </p:txBody>
       </p:sp>
+      <p:pic>
+        <p:nvPicPr>
+          <p:cNvPr id="8" name="Picture 7" descr="Text&#10;&#10;Description automatically generated">
+            <a:extLst>
+              <a:ext uri="{FF2B5EF4-FFF2-40B4-BE49-F238E27FC236}">
+                <a16:creationId xmlns:a16="http://schemas.microsoft.com/office/drawing/2014/main" id="{DDC331E3-FCCA-6848-9FF7-1AF6330C93D3}"/>
+              </a:ext>
+            </a:extLst>
+          </p:cNvPr>
+          <p:cNvPicPr>
+            <a:picLocks noChangeAspect="1"/>
+          </p:cNvPicPr>
+          <p:nvPr/>
+        </p:nvPicPr>
+        <p:blipFill rotWithShape="1">
+          <a:blip r:embed="rId3"/>
+          <a:srcRect t="5449" r="3398" b="64396"/>
+          <a:stretch/>
+        </p:blipFill>
+        <p:spPr>
+          <a:xfrm>
+            <a:off x="116540" y="3143884"/>
+            <a:ext cx="5485473" cy="1514498"/>
+          </a:xfrm>
+          <a:prstGeom prst="rect">
+            <a:avLst/>
+          </a:prstGeom>
+          <a:effectLst>
+            <a:softEdge rad="50800"/>
+          </a:effectLst>
+        </p:spPr>
+      </p:pic>
     </p:spTree>
     <p:extLst>
       <p:ext uri="{BB962C8B-B14F-4D97-AF65-F5344CB8AC3E}">
